--- a/Mi sueldo y yo.pptx
+++ b/Mi sueldo y yo.pptx
@@ -171,7 +171,7 @@
 <file path=ppt/revisionInfo.xml><?xml version="1.0" encoding="utf-8"?>
 <p1510:revInfo xmlns:a="http://schemas.openxmlformats.org/drawingml/2006/main" xmlns:r="http://schemas.openxmlformats.org/officeDocument/2006/relationships" xmlns:p1510="http://schemas.microsoft.com/office/powerpoint/2015/10/main">
   <p1510:revLst>
-    <p1510:client id="{85E3E2ED-7676-4B99-BFE6-6E4C3D55A332}" v="102" dt="2024-06-10T09:10:17.189"/>
+    <p1510:client id="{85E3E2ED-7676-4B99-BFE6-6E4C3D55A332}" v="139" dt="2024-06-10T16:13:34.093"/>
   </p1510:revLst>
 </p1510:revInfo>
 </file>
@@ -181,7 +181,7 @@
   <pc:docChgLst>
     <pc:chgData name="Rafael Marcos" userId="073fcd4a057fd8c8" providerId="LiveId" clId="{85E3E2ED-7676-4B99-BFE6-6E4C3D55A332}"/>
     <pc:docChg chg="undo redo custSel addSld delSld modSld sldOrd">
-      <pc:chgData name="Rafael Marcos" userId="073fcd4a057fd8c8" providerId="LiveId" clId="{85E3E2ED-7676-4B99-BFE6-6E4C3D55A332}" dt="2024-06-10T10:03:21.145" v="3570" actId="20577"/>
+      <pc:chgData name="Rafael Marcos" userId="073fcd4a057fd8c8" providerId="LiveId" clId="{85E3E2ED-7676-4B99-BFE6-6E4C3D55A332}" dt="2024-06-10T16:19:40.641" v="5334" actId="20577"/>
       <pc:docMkLst>
         <pc:docMk/>
       </pc:docMkLst>
@@ -237,8 +237,8 @@
           <pc:sldMk cId="3298998420" sldId="2545"/>
         </pc:sldMkLst>
       </pc:sldChg>
-      <pc:sldChg chg="modSp mod">
-        <pc:chgData name="Rafael Marcos" userId="073fcd4a057fd8c8" providerId="LiveId" clId="{85E3E2ED-7676-4B99-BFE6-6E4C3D55A332}" dt="2024-06-10T09:28:03.338" v="3524" actId="20577"/>
+      <pc:sldChg chg="addSp delSp modSp mod">
+        <pc:chgData name="Rafael Marcos" userId="073fcd4a057fd8c8" providerId="LiveId" clId="{85E3E2ED-7676-4B99-BFE6-6E4C3D55A332}" dt="2024-06-10T14:31:33.442" v="3629" actId="478"/>
         <pc:sldMkLst>
           <pc:docMk/>
           <pc:sldMk cId="954333892" sldId="2552"/>
@@ -249,6 +249,30 @@
             <pc:docMk/>
             <pc:sldMk cId="954333892" sldId="2552"/>
             <ac:spMk id="2" creationId="{6F0F845E-7C44-35DC-B7D8-C3330359FE9C}"/>
+          </ac:spMkLst>
+        </pc:spChg>
+        <pc:spChg chg="add del">
+          <ac:chgData name="Rafael Marcos" userId="073fcd4a057fd8c8" providerId="LiveId" clId="{85E3E2ED-7676-4B99-BFE6-6E4C3D55A332}" dt="2024-06-10T14:31:30.507" v="3628" actId="478"/>
+          <ac:spMkLst>
+            <pc:docMk/>
+            <pc:sldMk cId="954333892" sldId="2552"/>
+            <ac:spMk id="4" creationId="{FD47FBB8-2A87-4FDD-8742-D0C12871A3DD}"/>
+          </ac:spMkLst>
+        </pc:spChg>
+        <pc:spChg chg="add del mod">
+          <ac:chgData name="Rafael Marcos" userId="073fcd4a057fd8c8" providerId="LiveId" clId="{85E3E2ED-7676-4B99-BFE6-6E4C3D55A332}" dt="2024-06-10T14:31:27.570" v="3627" actId="478"/>
+          <ac:spMkLst>
+            <pc:docMk/>
+            <pc:sldMk cId="954333892" sldId="2552"/>
+            <ac:spMk id="6" creationId="{2CD55041-508D-9897-D163-9A20933D5278}"/>
+          </ac:spMkLst>
+        </pc:spChg>
+        <pc:spChg chg="add del mod">
+          <ac:chgData name="Rafael Marcos" userId="073fcd4a057fd8c8" providerId="LiveId" clId="{85E3E2ED-7676-4B99-BFE6-6E4C3D55A332}" dt="2024-06-10T14:31:33.442" v="3629" actId="478"/>
+          <ac:spMkLst>
+            <pc:docMk/>
+            <pc:sldMk cId="954333892" sldId="2552"/>
+            <ac:spMk id="8" creationId="{7E0644B8-DABF-830E-9BEC-F7B5C55C801E}"/>
           </ac:spMkLst>
         </pc:spChg>
       </pc:sldChg>
@@ -355,6 +379,37 @@
           <pc:docMk/>
           <pc:sldMk cId="4231152649" sldId="2586"/>
         </pc:sldMkLst>
+      </pc:sldChg>
+      <pc:sldChg chg="addSp delSp modSp mod">
+        <pc:chgData name="Rafael Marcos" userId="073fcd4a057fd8c8" providerId="LiveId" clId="{85E3E2ED-7676-4B99-BFE6-6E4C3D55A332}" dt="2024-06-10T14:31:47.128" v="3631" actId="478"/>
+        <pc:sldMkLst>
+          <pc:docMk/>
+          <pc:sldMk cId="2428023589" sldId="2587"/>
+        </pc:sldMkLst>
+        <pc:spChg chg="del">
+          <ac:chgData name="Rafael Marcos" userId="073fcd4a057fd8c8" providerId="LiveId" clId="{85E3E2ED-7676-4B99-BFE6-6E4C3D55A332}" dt="2024-06-10T14:31:39.386" v="3630" actId="478"/>
+          <ac:spMkLst>
+            <pc:docMk/>
+            <pc:sldMk cId="2428023589" sldId="2587"/>
+            <ac:spMk id="3" creationId="{C029C8AC-0BFA-3BD5-4209-EA08A98FE950}"/>
+          </ac:spMkLst>
+        </pc:spChg>
+        <pc:spChg chg="mod">
+          <ac:chgData name="Rafael Marcos" userId="073fcd4a057fd8c8" providerId="LiveId" clId="{85E3E2ED-7676-4B99-BFE6-6E4C3D55A332}" dt="2024-06-10T11:21:15.024" v="3572" actId="20577"/>
+          <ac:spMkLst>
+            <pc:docMk/>
+            <pc:sldMk cId="2428023589" sldId="2587"/>
+            <ac:spMk id="4" creationId="{BF200878-BBC3-140F-ACE4-4327A8C85E69}"/>
+          </ac:spMkLst>
+        </pc:spChg>
+        <pc:spChg chg="add del mod">
+          <ac:chgData name="Rafael Marcos" userId="073fcd4a057fd8c8" providerId="LiveId" clId="{85E3E2ED-7676-4B99-BFE6-6E4C3D55A332}" dt="2024-06-10T14:31:47.128" v="3631" actId="478"/>
+          <ac:spMkLst>
+            <pc:docMk/>
+            <pc:sldMk cId="2428023589" sldId="2587"/>
+            <ac:spMk id="6" creationId="{E069B0B6-7C59-70CD-E0A8-257C24FA8920}"/>
+          </ac:spMkLst>
+        </pc:spChg>
       </pc:sldChg>
       <pc:sldChg chg="del">
         <pc:chgData name="Rafael Marcos" userId="073fcd4a057fd8c8" providerId="LiveId" clId="{85E3E2ED-7676-4B99-BFE6-6E4C3D55A332}" dt="2024-06-10T07:10:02.735" v="2175" actId="47"/>
@@ -392,7 +447,7 @@
         </pc:sldMkLst>
       </pc:sldChg>
       <pc:sldChg chg="addSp delSp modSp mod ord modClrScheme chgLayout">
-        <pc:chgData name="Rafael Marcos" userId="073fcd4a057fd8c8" providerId="LiveId" clId="{85E3E2ED-7676-4B99-BFE6-6E4C3D55A332}" dt="2024-06-10T07:28:30.078" v="2451" actId="1076"/>
+        <pc:chgData name="Rafael Marcos" userId="073fcd4a057fd8c8" providerId="LiveId" clId="{85E3E2ED-7676-4B99-BFE6-6E4C3D55A332}" dt="2024-06-10T15:50:39.833" v="4639" actId="1076"/>
         <pc:sldMkLst>
           <pc:docMk/>
           <pc:sldMk cId="3236740707" sldId="2593"/>
@@ -405,8 +460,8 @@
             <ac:spMk id="2" creationId="{A44FE299-873C-1A49-D0F1-E67440BA39AB}"/>
           </ac:spMkLst>
         </pc:spChg>
-        <pc:spChg chg="mod ord">
-          <ac:chgData name="Rafael Marcos" userId="073fcd4a057fd8c8" providerId="LiveId" clId="{85E3E2ED-7676-4B99-BFE6-6E4C3D55A332}" dt="2024-06-09T13:15:19.863" v="162" actId="700"/>
+        <pc:spChg chg="del mod ord">
+          <ac:chgData name="Rafael Marcos" userId="073fcd4a057fd8c8" providerId="LiveId" clId="{85E3E2ED-7676-4B99-BFE6-6E4C3D55A332}" dt="2024-06-10T14:31:57.608" v="3632" actId="478"/>
           <ac:spMkLst>
             <pc:docMk/>
             <pc:sldMk cId="3236740707" sldId="2593"/>
@@ -421,6 +476,46 @@
             <ac:spMk id="4" creationId="{300A9960-0895-E7B8-4E0C-33DF96D3D5D4}"/>
           </ac:spMkLst>
         </pc:spChg>
+        <pc:spChg chg="add del mod">
+          <ac:chgData name="Rafael Marcos" userId="073fcd4a057fd8c8" providerId="LiveId" clId="{85E3E2ED-7676-4B99-BFE6-6E4C3D55A332}" dt="2024-06-10T14:53:47.113" v="3894"/>
+          <ac:spMkLst>
+            <pc:docMk/>
+            <pc:sldMk cId="3236740707" sldId="2593"/>
+            <ac:spMk id="5" creationId="{5F015AEC-0841-BBF9-3574-2560E9E77D63}"/>
+          </ac:spMkLst>
+        </pc:spChg>
+        <pc:spChg chg="add del mod">
+          <ac:chgData name="Rafael Marcos" userId="073fcd4a057fd8c8" providerId="LiveId" clId="{85E3E2ED-7676-4B99-BFE6-6E4C3D55A332}" dt="2024-06-10T14:32:00.862" v="3633" actId="478"/>
+          <ac:spMkLst>
+            <pc:docMk/>
+            <pc:sldMk cId="3236740707" sldId="2593"/>
+            <ac:spMk id="7" creationId="{8A76D3D7-7852-ECC7-8A99-40E574C389E0}"/>
+          </ac:spMkLst>
+        </pc:spChg>
+        <pc:spChg chg="add del mod">
+          <ac:chgData name="Rafael Marcos" userId="073fcd4a057fd8c8" providerId="LiveId" clId="{85E3E2ED-7676-4B99-BFE6-6E4C3D55A332}" dt="2024-06-10T15:15:57.381" v="4423" actId="478"/>
+          <ac:spMkLst>
+            <pc:docMk/>
+            <pc:sldMk cId="3236740707" sldId="2593"/>
+            <ac:spMk id="8" creationId="{B3714975-07BF-ACBB-FF5A-885BB9D7264D}"/>
+          </ac:spMkLst>
+        </pc:spChg>
+        <pc:spChg chg="add mod">
+          <ac:chgData name="Rafael Marcos" userId="073fcd4a057fd8c8" providerId="LiveId" clId="{85E3E2ED-7676-4B99-BFE6-6E4C3D55A332}" dt="2024-06-10T15:16:00.647" v="4424"/>
+          <ac:spMkLst>
+            <pc:docMk/>
+            <pc:sldMk cId="3236740707" sldId="2593"/>
+            <ac:spMk id="9" creationId="{344CB1DC-0B8D-ABBD-16E4-6FFE28942DD6}"/>
+          </ac:spMkLst>
+        </pc:spChg>
+        <pc:spChg chg="add mod ord">
+          <ac:chgData name="Rafael Marcos" userId="073fcd4a057fd8c8" providerId="LiveId" clId="{85E3E2ED-7676-4B99-BFE6-6E4C3D55A332}" dt="2024-06-10T15:37:02.117" v="4611" actId="167"/>
+          <ac:spMkLst>
+            <pc:docMk/>
+            <pc:sldMk cId="3236740707" sldId="2593"/>
+            <ac:spMk id="10" creationId="{5A7DF35A-0198-6E51-3B4D-2F66148BCC76}"/>
+          </ac:spMkLst>
+        </pc:spChg>
         <pc:grpChg chg="add mod">
           <ac:chgData name="Rafael Marcos" userId="073fcd4a057fd8c8" providerId="LiveId" clId="{85E3E2ED-7676-4B99-BFE6-6E4C3D55A332}" dt="2024-06-10T07:26:03.811" v="2439" actId="1076"/>
           <ac:grpSpMkLst>
@@ -493,6 +588,14 @@
             <ac:picMk id="12" creationId="{071B9469-5DDE-8F89-2C2B-8D3A12DA3769}"/>
           </ac:picMkLst>
         </pc:picChg>
+        <pc:picChg chg="add del">
+          <ac:chgData name="Rafael Marcos" userId="073fcd4a057fd8c8" providerId="LiveId" clId="{85E3E2ED-7676-4B99-BFE6-6E4C3D55A332}" dt="2024-06-10T15:48:20.573" v="4628" actId="21"/>
+          <ac:picMkLst>
+            <pc:docMk/>
+            <pc:sldMk cId="3236740707" sldId="2593"/>
+            <ac:picMk id="12" creationId="{B4286757-1230-D633-56F5-AB8A89E072FB}"/>
+          </ac:picMkLst>
+        </pc:picChg>
         <pc:picChg chg="mod">
           <ac:chgData name="Rafael Marcos" userId="073fcd4a057fd8c8" providerId="LiveId" clId="{85E3E2ED-7676-4B99-BFE6-6E4C3D55A332}" dt="2024-06-10T07:26:17.244" v="2440"/>
           <ac:picMkLst>
@@ -509,6 +612,14 @@
             <ac:picMk id="14" creationId="{5C388A81-329F-78F0-4B35-73FF2A3CD603}"/>
           </ac:picMkLst>
         </pc:picChg>
+        <pc:picChg chg="add mod modCrop">
+          <ac:chgData name="Rafael Marcos" userId="073fcd4a057fd8c8" providerId="LiveId" clId="{85E3E2ED-7676-4B99-BFE6-6E4C3D55A332}" dt="2024-06-10T15:50:39.833" v="4639" actId="1076"/>
+          <ac:picMkLst>
+            <pc:docMk/>
+            <pc:sldMk cId="3236740707" sldId="2593"/>
+            <ac:picMk id="14" creationId="{B4286757-1230-D633-56F5-AB8A89E072FB}"/>
+          </ac:picMkLst>
+        </pc:picChg>
         <pc:picChg chg="mod">
           <ac:chgData name="Rafael Marcos" userId="073fcd4a057fd8c8" providerId="LiveId" clId="{85E3E2ED-7676-4B99-BFE6-6E4C3D55A332}" dt="2024-06-10T07:26:43.240" v="2441"/>
           <ac:picMkLst>
@@ -549,8 +660,8 @@
             <ac:picMk id="21" creationId="{D614BB0B-730D-2E20-19BA-2130EA640090}"/>
           </ac:picMkLst>
         </pc:picChg>
-        <pc:picChg chg="add mod">
-          <ac:chgData name="Rafael Marcos" userId="073fcd4a057fd8c8" providerId="LiveId" clId="{85E3E2ED-7676-4B99-BFE6-6E4C3D55A332}" dt="2024-06-10T07:28:30.078" v="2451" actId="1076"/>
+        <pc:picChg chg="add del mod modCrop">
+          <ac:chgData name="Rafael Marcos" userId="073fcd4a057fd8c8" providerId="LiveId" clId="{85E3E2ED-7676-4B99-BFE6-6E4C3D55A332}" dt="2024-06-10T15:47:53.023" v="4620" actId="478"/>
           <ac:picMkLst>
             <pc:docMk/>
             <pc:sldMk cId="3236740707" sldId="2593"/>
@@ -582,11 +693,19 @@
         </pc:picChg>
       </pc:sldChg>
       <pc:sldChg chg="addSp delSp modSp add del mod ord">
-        <pc:chgData name="Rafael Marcos" userId="073fcd4a057fd8c8" providerId="LiveId" clId="{85E3E2ED-7676-4B99-BFE6-6E4C3D55A332}" dt="2024-06-10T09:40:36.352" v="3530" actId="47"/>
+        <pc:chgData name="Rafael Marcos" userId="073fcd4a057fd8c8" providerId="LiveId" clId="{85E3E2ED-7676-4B99-BFE6-6E4C3D55A332}" dt="2024-06-10T15:31:48.767" v="4580"/>
         <pc:sldMkLst>
           <pc:docMk/>
           <pc:sldMk cId="3322560223" sldId="2595"/>
         </pc:sldMkLst>
+        <pc:spChg chg="del mod">
+          <ac:chgData name="Rafael Marcos" userId="073fcd4a057fd8c8" providerId="LiveId" clId="{85E3E2ED-7676-4B99-BFE6-6E4C3D55A332}" dt="2024-06-10T15:26:34.986" v="4466" actId="478"/>
+          <ac:spMkLst>
+            <pc:docMk/>
+            <pc:sldMk cId="3322560223" sldId="2595"/>
+            <ac:spMk id="3" creationId="{D0C03A75-8B21-72BA-2445-C4BF8E3B71EC}"/>
+          </ac:spMkLst>
+        </pc:spChg>
         <pc:spChg chg="add del mod">
           <ac:chgData name="Rafael Marcos" userId="073fcd4a057fd8c8" providerId="LiveId" clId="{85E3E2ED-7676-4B99-BFE6-6E4C3D55A332}" dt="2024-06-10T07:29:07.744" v="2452" actId="478"/>
           <ac:spMkLst>
@@ -595,8 +714,48 @@
             <ac:spMk id="4" creationId="{9616F92B-B3D0-4CBB-C063-31E8CF20E29E}"/>
           </ac:spMkLst>
         </pc:spChg>
+        <pc:spChg chg="add del mod">
+          <ac:chgData name="Rafael Marcos" userId="073fcd4a057fd8c8" providerId="LiveId" clId="{85E3E2ED-7676-4B99-BFE6-6E4C3D55A332}" dt="2024-06-10T15:26:29.636" v="4464" actId="478"/>
+          <ac:spMkLst>
+            <pc:docMk/>
+            <pc:sldMk cId="3322560223" sldId="2595"/>
+            <ac:spMk id="4" creationId="{F772625B-6ECF-B608-52B1-E3E66D5AE0A2}"/>
+          </ac:spMkLst>
+        </pc:spChg>
+        <pc:spChg chg="add del mod">
+          <ac:chgData name="Rafael Marcos" userId="073fcd4a057fd8c8" providerId="LiveId" clId="{85E3E2ED-7676-4B99-BFE6-6E4C3D55A332}" dt="2024-06-10T15:31:44.834" v="4579" actId="478"/>
+          <ac:spMkLst>
+            <pc:docMk/>
+            <pc:sldMk cId="3322560223" sldId="2595"/>
+            <ac:spMk id="6" creationId="{869D8FC9-B1BC-504F-94B3-BA400291C57F}"/>
+          </ac:spMkLst>
+        </pc:spChg>
+        <pc:spChg chg="add mod">
+          <ac:chgData name="Rafael Marcos" userId="073fcd4a057fd8c8" providerId="LiveId" clId="{85E3E2ED-7676-4B99-BFE6-6E4C3D55A332}" dt="2024-06-10T15:29:25.295" v="4546" actId="20577"/>
+          <ac:spMkLst>
+            <pc:docMk/>
+            <pc:sldMk cId="3322560223" sldId="2595"/>
+            <ac:spMk id="7" creationId="{22797D8F-A6ED-ABA8-47CA-75FB4ECB6699}"/>
+          </ac:spMkLst>
+        </pc:spChg>
+        <pc:spChg chg="add mod ord">
+          <ac:chgData name="Rafael Marcos" userId="073fcd4a057fd8c8" providerId="LiveId" clId="{85E3E2ED-7676-4B99-BFE6-6E4C3D55A332}" dt="2024-06-10T15:30:14.790" v="4556" actId="167"/>
+          <ac:spMkLst>
+            <pc:docMk/>
+            <pc:sldMk cId="3322560223" sldId="2595"/>
+            <ac:spMk id="8" creationId="{DDDCEAFE-CA56-D8A6-74AB-1E3000DE5CE9}"/>
+          </ac:spMkLst>
+        </pc:spChg>
+        <pc:spChg chg="add mod">
+          <ac:chgData name="Rafael Marcos" userId="073fcd4a057fd8c8" providerId="LiveId" clId="{85E3E2ED-7676-4B99-BFE6-6E4C3D55A332}" dt="2024-06-10T15:31:48.767" v="4580"/>
+          <ac:spMkLst>
+            <pc:docMk/>
+            <pc:sldMk cId="3322560223" sldId="2595"/>
+            <ac:spMk id="9" creationId="{D0F94955-1453-8B10-73C4-F9C676225D60}"/>
+          </ac:spMkLst>
+        </pc:spChg>
         <pc:picChg chg="add mod">
-          <ac:chgData name="Rafael Marcos" userId="073fcd4a057fd8c8" providerId="LiveId" clId="{85E3E2ED-7676-4B99-BFE6-6E4C3D55A332}" dt="2024-06-10T07:29:18.818" v="2455" actId="1076"/>
+          <ac:chgData name="Rafael Marcos" userId="073fcd4a057fd8c8" providerId="LiveId" clId="{85E3E2ED-7676-4B99-BFE6-6E4C3D55A332}" dt="2024-06-10T15:30:53.264" v="4571" actId="1038"/>
           <ac:picMkLst>
             <pc:docMk/>
             <pc:sldMk cId="3322560223" sldId="2595"/>
@@ -2078,12 +2237,20 @@
           <pc:sldMk cId="2040804202" sldId="2625"/>
         </pc:sldMkLst>
       </pc:sldChg>
-      <pc:sldChg chg="addSp modSp add mod">
-        <pc:chgData name="Rafael Marcos" userId="073fcd4a057fd8c8" providerId="LiveId" clId="{85E3E2ED-7676-4B99-BFE6-6E4C3D55A332}" dt="2024-06-10T07:25:19.308" v="2427" actId="1076"/>
+      <pc:sldChg chg="addSp delSp modSp add mod">
+        <pc:chgData name="Rafael Marcos" userId="073fcd4a057fd8c8" providerId="LiveId" clId="{85E3E2ED-7676-4B99-BFE6-6E4C3D55A332}" dt="2024-06-10T15:48:49.432" v="4634" actId="21"/>
         <pc:sldMkLst>
           <pc:docMk/>
           <pc:sldMk cId="969368229" sldId="2626"/>
         </pc:sldMkLst>
+        <pc:spChg chg="del">
+          <ac:chgData name="Rafael Marcos" userId="073fcd4a057fd8c8" providerId="LiveId" clId="{85E3E2ED-7676-4B99-BFE6-6E4C3D55A332}" dt="2024-06-10T14:33:29.113" v="3655" actId="478"/>
+          <ac:spMkLst>
+            <pc:docMk/>
+            <pc:sldMk cId="969368229" sldId="2626"/>
+            <ac:spMk id="3" creationId="{0F24BE2D-0315-4B55-FF12-E60DAD0A8F27}"/>
+          </ac:spMkLst>
+        </pc:spChg>
         <pc:spChg chg="mod">
           <ac:chgData name="Rafael Marcos" userId="073fcd4a057fd8c8" providerId="LiveId" clId="{85E3E2ED-7676-4B99-BFE6-6E4C3D55A332}" dt="2024-06-10T07:24:59.159" v="2421" actId="20577"/>
           <ac:spMkLst>
@@ -2092,23 +2259,95 @@
             <ac:spMk id="4" creationId="{300A9960-0895-E7B8-4E0C-33DF96D3D5D4}"/>
           </ac:spMkLst>
         </pc:spChg>
-        <pc:picChg chg="add mod">
-          <ac:chgData name="Rafael Marcos" userId="073fcd4a057fd8c8" providerId="LiveId" clId="{85E3E2ED-7676-4B99-BFE6-6E4C3D55A332}" dt="2024-06-10T07:25:19.308" v="2427" actId="1076"/>
+        <pc:spChg chg="add del mod">
+          <ac:chgData name="Rafael Marcos" userId="073fcd4a057fd8c8" providerId="LiveId" clId="{85E3E2ED-7676-4B99-BFE6-6E4C3D55A332}" dt="2024-06-10T14:33:32.420" v="3656" actId="478"/>
+          <ac:spMkLst>
+            <pc:docMk/>
+            <pc:sldMk cId="969368229" sldId="2626"/>
+            <ac:spMk id="7" creationId="{39CACC7D-9053-D2E1-8BA1-597E6C3CF173}"/>
+          </ac:spMkLst>
+        </pc:spChg>
+        <pc:spChg chg="add del mod">
+          <ac:chgData name="Rafael Marcos" userId="073fcd4a057fd8c8" providerId="LiveId" clId="{85E3E2ED-7676-4B99-BFE6-6E4C3D55A332}" dt="2024-06-10T14:36:44.530" v="3684" actId="478"/>
+          <ac:spMkLst>
+            <pc:docMk/>
+            <pc:sldMk cId="969368229" sldId="2626"/>
+            <ac:spMk id="8" creationId="{E2739E7D-D18C-AFC4-1DA5-923A539A81A2}"/>
+          </ac:spMkLst>
+        </pc:spChg>
+        <pc:spChg chg="add mod ord topLvl">
+          <ac:chgData name="Rafael Marcos" userId="073fcd4a057fd8c8" providerId="LiveId" clId="{85E3E2ED-7676-4B99-BFE6-6E4C3D55A332}" dt="2024-06-10T15:36:00.798" v="4608" actId="14100"/>
+          <ac:spMkLst>
+            <pc:docMk/>
+            <pc:sldMk cId="969368229" sldId="2626"/>
+            <ac:spMk id="9" creationId="{7F9377C0-F613-5D9E-E214-8BAC4D703CDE}"/>
+          </ac:spMkLst>
+        </pc:spChg>
+        <pc:spChg chg="add del mod">
+          <ac:chgData name="Rafael Marcos" userId="073fcd4a057fd8c8" providerId="LiveId" clId="{85E3E2ED-7676-4B99-BFE6-6E4C3D55A332}" dt="2024-06-10T14:54:53.081" v="3908"/>
+          <ac:spMkLst>
+            <pc:docMk/>
+            <pc:sldMk cId="969368229" sldId="2626"/>
+            <ac:spMk id="11" creationId="{EA1D42B9-D743-8B11-0308-68522456DCBF}"/>
+          </ac:spMkLst>
+        </pc:spChg>
+        <pc:spChg chg="add del mod">
+          <ac:chgData name="Rafael Marcos" userId="073fcd4a057fd8c8" providerId="LiveId" clId="{85E3E2ED-7676-4B99-BFE6-6E4C3D55A332}" dt="2024-06-10T15:14:53.079" v="4416" actId="478"/>
+          <ac:spMkLst>
+            <pc:docMk/>
+            <pc:sldMk cId="969368229" sldId="2626"/>
+            <ac:spMk id="12" creationId="{8CE202EE-DFE9-2FC1-BFF0-05A095D50FF4}"/>
+          </ac:spMkLst>
+        </pc:spChg>
+        <pc:spChg chg="add mod">
+          <ac:chgData name="Rafael Marcos" userId="073fcd4a057fd8c8" providerId="LiveId" clId="{85E3E2ED-7676-4B99-BFE6-6E4C3D55A332}" dt="2024-06-10T15:14:57.096" v="4417"/>
+          <ac:spMkLst>
+            <pc:docMk/>
+            <pc:sldMk cId="969368229" sldId="2626"/>
+            <ac:spMk id="13" creationId="{2BC4F362-E107-0DB0-A609-24FAF05CF2FC}"/>
+          </ac:spMkLst>
+        </pc:spChg>
+        <pc:grpChg chg="add del mod">
+          <ac:chgData name="Rafael Marcos" userId="073fcd4a057fd8c8" providerId="LiveId" clId="{85E3E2ED-7676-4B99-BFE6-6E4C3D55A332}" dt="2024-06-10T14:40:27.933" v="3720" actId="165"/>
+          <ac:grpSpMkLst>
+            <pc:docMk/>
+            <pc:sldMk cId="969368229" sldId="2626"/>
+            <ac:grpSpMk id="10" creationId="{5E6874F4-0B67-11B1-445F-0FD8946469C1}"/>
+          </ac:grpSpMkLst>
+        </pc:grpChg>
+        <pc:picChg chg="add mod topLvl modCrop">
+          <ac:chgData name="Rafael Marcos" userId="073fcd4a057fd8c8" providerId="LiveId" clId="{85E3E2ED-7676-4B99-BFE6-6E4C3D55A332}" dt="2024-06-10T15:36:15.613" v="4609" actId="14100"/>
           <ac:picMkLst>
             <pc:docMk/>
             <pc:sldMk cId="969368229" sldId="2626"/>
             <ac:picMk id="5" creationId="{343C366D-DC16-51D1-A33C-AD336B908E81}"/>
           </ac:picMkLst>
         </pc:picChg>
+        <pc:picChg chg="add del mod">
+          <ac:chgData name="Rafael Marcos" userId="073fcd4a057fd8c8" providerId="LiveId" clId="{85E3E2ED-7676-4B99-BFE6-6E4C3D55A332}" dt="2024-06-10T15:48:49.432" v="4634" actId="21"/>
+          <ac:picMkLst>
+            <pc:docMk/>
+            <pc:sldMk cId="969368229" sldId="2626"/>
+            <ac:picMk id="14" creationId="{B4286757-1230-D633-56F5-AB8A89E072FB}"/>
+          </ac:picMkLst>
+        </pc:picChg>
       </pc:sldChg>
       <pc:sldChg chg="addSp delSp modSp add mod">
-        <pc:chgData name="Rafael Marcos" userId="073fcd4a057fd8c8" providerId="LiveId" clId="{85E3E2ED-7676-4B99-BFE6-6E4C3D55A332}" dt="2024-06-10T08:24:48.891" v="3119" actId="14100"/>
+        <pc:chgData name="Rafael Marcos" userId="073fcd4a057fd8c8" providerId="LiveId" clId="{85E3E2ED-7676-4B99-BFE6-6E4C3D55A332}" dt="2024-06-10T15:34:38.600" v="4599" actId="14100"/>
         <pc:sldMkLst>
           <pc:docMk/>
           <pc:sldMk cId="3512888758" sldId="2627"/>
         </pc:sldMkLst>
+        <pc:spChg chg="del mod">
+          <ac:chgData name="Rafael Marcos" userId="073fcd4a057fd8c8" providerId="LiveId" clId="{85E3E2ED-7676-4B99-BFE6-6E4C3D55A332}" dt="2024-06-10T14:52:20.310" v="3875" actId="478"/>
+          <ac:spMkLst>
+            <pc:docMk/>
+            <pc:sldMk cId="3512888758" sldId="2627"/>
+            <ac:spMk id="3" creationId="{0F24BE2D-0315-4B55-FF12-E60DAD0A8F27}"/>
+          </ac:spMkLst>
+        </pc:spChg>
         <pc:spChg chg="mod">
-          <ac:chgData name="Rafael Marcos" userId="073fcd4a057fd8c8" providerId="LiveId" clId="{85E3E2ED-7676-4B99-BFE6-6E4C3D55A332}" dt="2024-06-10T07:23:33.400" v="2381" actId="20577"/>
+          <ac:chgData name="Rafael Marcos" userId="073fcd4a057fd8c8" providerId="LiveId" clId="{85E3E2ED-7676-4B99-BFE6-6E4C3D55A332}" dt="2024-06-10T15:33:53.890" v="4595" actId="20577"/>
           <ac:spMkLst>
             <pc:docMk/>
             <pc:sldMk cId="3512888758" sldId="2627"/>
@@ -2123,16 +2362,48 @@
             <ac:spMk id="5" creationId="{CFD71E0B-A9DB-82A1-EDBB-9CDFA903F67D}"/>
           </ac:spMkLst>
         </pc:spChg>
+        <pc:spChg chg="add del mod">
+          <ac:chgData name="Rafael Marcos" userId="073fcd4a057fd8c8" providerId="LiveId" clId="{85E3E2ED-7676-4B99-BFE6-6E4C3D55A332}" dt="2024-06-10T15:12:10.792" v="4371" actId="478"/>
+          <ac:spMkLst>
+            <pc:docMk/>
+            <pc:sldMk cId="3512888758" sldId="2627"/>
+            <ac:spMk id="9" creationId="{74AD81B1-17BA-499B-60C3-EC1DE9BF2868}"/>
+          </ac:spMkLst>
+        </pc:spChg>
+        <pc:spChg chg="add del mod">
+          <ac:chgData name="Rafael Marcos" userId="073fcd4a057fd8c8" providerId="LiveId" clId="{85E3E2ED-7676-4B99-BFE6-6E4C3D55A332}" dt="2024-06-10T15:11:40.849" v="4365" actId="478"/>
+          <ac:spMkLst>
+            <pc:docMk/>
+            <pc:sldMk cId="3512888758" sldId="2627"/>
+            <ac:spMk id="10" creationId="{7FC27B2E-9F59-F4DD-C3D3-C07291C9DEBA}"/>
+          </ac:spMkLst>
+        </pc:spChg>
+        <pc:spChg chg="add mod">
+          <ac:chgData name="Rafael Marcos" userId="073fcd4a057fd8c8" providerId="LiveId" clId="{85E3E2ED-7676-4B99-BFE6-6E4C3D55A332}" dt="2024-06-10T15:17:51.650" v="4432" actId="1035"/>
+          <ac:spMkLst>
+            <pc:docMk/>
+            <pc:sldMk cId="3512888758" sldId="2627"/>
+            <ac:spMk id="11" creationId="{AFF8B086-CEEC-25C1-EE55-10D921035DB0}"/>
+          </ac:spMkLst>
+        </pc:spChg>
         <pc:spChg chg="add mod ord topLvl">
-          <ac:chgData name="Rafael Marcos" userId="073fcd4a057fd8c8" providerId="LiveId" clId="{85E3E2ED-7676-4B99-BFE6-6E4C3D55A332}" dt="2024-06-10T08:24:48.891" v="3119" actId="14100"/>
+          <ac:chgData name="Rafael Marcos" userId="073fcd4a057fd8c8" providerId="LiveId" clId="{85E3E2ED-7676-4B99-BFE6-6E4C3D55A332}" dt="2024-06-10T15:34:35.004" v="4598" actId="164"/>
           <ac:spMkLst>
             <pc:docMk/>
             <pc:sldMk cId="3512888758" sldId="2627"/>
             <ac:spMk id="12" creationId="{9DB96130-877E-135A-9BCF-0E6E7759CC95}"/>
           </ac:spMkLst>
         </pc:spChg>
+        <pc:grpChg chg="add del mod">
+          <ac:chgData name="Rafael Marcos" userId="073fcd4a057fd8c8" providerId="LiveId" clId="{85E3E2ED-7676-4B99-BFE6-6E4C3D55A332}" dt="2024-06-10T14:57:41.489" v="3943" actId="165"/>
+          <ac:grpSpMkLst>
+            <pc:docMk/>
+            <pc:sldMk cId="3512888758" sldId="2627"/>
+            <ac:grpSpMk id="5" creationId="{BAB85B8F-97CF-67D8-C08B-3F5D6F01916C}"/>
+          </ac:grpSpMkLst>
+        </pc:grpChg>
         <pc:grpChg chg="add mod topLvl">
-          <ac:chgData name="Rafael Marcos" userId="073fcd4a057fd8c8" providerId="LiveId" clId="{85E3E2ED-7676-4B99-BFE6-6E4C3D55A332}" dt="2024-06-10T08:24:42.871" v="3118" actId="14100"/>
+          <ac:chgData name="Rafael Marcos" userId="073fcd4a057fd8c8" providerId="LiveId" clId="{85E3E2ED-7676-4B99-BFE6-6E4C3D55A332}" dt="2024-06-10T15:34:35.004" v="4598" actId="164"/>
           <ac:grpSpMkLst>
             <pc:docMk/>
             <pc:sldMk cId="3512888758" sldId="2627"/>
@@ -2155,8 +2426,16 @@
             <ac:grpSpMk id="13" creationId="{30CB2058-ABC1-E14C-4E3A-85B3EB29E765}"/>
           </ac:grpSpMkLst>
         </pc:grpChg>
+        <pc:grpChg chg="add mod">
+          <ac:chgData name="Rafael Marcos" userId="073fcd4a057fd8c8" providerId="LiveId" clId="{85E3E2ED-7676-4B99-BFE6-6E4C3D55A332}" dt="2024-06-10T15:34:38.600" v="4599" actId="14100"/>
+          <ac:grpSpMkLst>
+            <pc:docMk/>
+            <pc:sldMk cId="3512888758" sldId="2627"/>
+            <ac:grpSpMk id="13" creationId="{FA276893-86F6-4DF0-0072-F85C156273E6}"/>
+          </ac:grpSpMkLst>
+        </pc:grpChg>
         <pc:picChg chg="mod">
-          <ac:chgData name="Rafael Marcos" userId="073fcd4a057fd8c8" providerId="LiveId" clId="{85E3E2ED-7676-4B99-BFE6-6E4C3D55A332}" dt="2024-06-10T08:24:37.698" v="3116" actId="165"/>
+          <ac:chgData name="Rafael Marcos" userId="073fcd4a057fd8c8" providerId="LiveId" clId="{85E3E2ED-7676-4B99-BFE6-6E4C3D55A332}" dt="2024-06-10T14:57:41.489" v="3943" actId="165"/>
           <ac:picMkLst>
             <pc:docMk/>
             <pc:sldMk cId="3512888758" sldId="2627"/>
@@ -2164,7 +2443,7 @@
           </ac:picMkLst>
         </pc:picChg>
         <pc:picChg chg="mod">
-          <ac:chgData name="Rafael Marcos" userId="073fcd4a057fd8c8" providerId="LiveId" clId="{85E3E2ED-7676-4B99-BFE6-6E4C3D55A332}" dt="2024-06-10T08:24:37.698" v="3116" actId="165"/>
+          <ac:chgData name="Rafael Marcos" userId="073fcd4a057fd8c8" providerId="LiveId" clId="{85E3E2ED-7676-4B99-BFE6-6E4C3D55A332}" dt="2024-06-10T14:57:41.489" v="3943" actId="165"/>
           <ac:picMkLst>
             <pc:docMk/>
             <pc:sldMk cId="3512888758" sldId="2627"/>
@@ -2597,12 +2876,20 @@
         </pc:spChg>
       </pc:sldChg>
       <pc:sldChg chg="addSp delSp modSp add mod ord">
-        <pc:chgData name="Rafael Marcos" userId="073fcd4a057fd8c8" providerId="LiveId" clId="{85E3E2ED-7676-4B99-BFE6-6E4C3D55A332}" dt="2024-06-10T07:30:39.326" v="2463" actId="732"/>
+        <pc:chgData name="Rafael Marcos" userId="073fcd4a057fd8c8" providerId="LiveId" clId="{85E3E2ED-7676-4B99-BFE6-6E4C3D55A332}" dt="2024-06-10T16:13:34.092" v="5137" actId="164"/>
         <pc:sldMkLst>
           <pc:docMk/>
           <pc:sldMk cId="4230849476" sldId="2642"/>
         </pc:sldMkLst>
         <pc:spChg chg="del mod">
+          <ac:chgData name="Rafael Marcos" userId="073fcd4a057fd8c8" providerId="LiveId" clId="{85E3E2ED-7676-4B99-BFE6-6E4C3D55A332}" dt="2024-06-10T15:58:18.550" v="4719" actId="478"/>
+          <ac:spMkLst>
+            <pc:docMk/>
+            <pc:sldMk cId="4230849476" sldId="2642"/>
+            <ac:spMk id="3" creationId="{D0C03A75-8B21-72BA-2445-C4BF8E3B71EC}"/>
+          </ac:spMkLst>
+        </pc:spChg>
+        <pc:spChg chg="del mod">
           <ac:chgData name="Rafael Marcos" userId="073fcd4a057fd8c8" providerId="LiveId" clId="{85E3E2ED-7676-4B99-BFE6-6E4C3D55A332}" dt="2024-06-10T07:29:59.116" v="2457" actId="478"/>
           <ac:spMkLst>
             <pc:docMk/>
@@ -2610,27 +2897,195 @@
             <ac:spMk id="4" creationId="{9616F92B-B3D0-4CBB-C063-31E8CF20E29E}"/>
           </ac:spMkLst>
         </pc:spChg>
-        <pc:picChg chg="add mod modCrop">
-          <ac:chgData name="Rafael Marcos" userId="073fcd4a057fd8c8" providerId="LiveId" clId="{85E3E2ED-7676-4B99-BFE6-6E4C3D55A332}" dt="2024-06-10T07:30:39.326" v="2463" actId="732"/>
+        <pc:spChg chg="mod">
+          <ac:chgData name="Rafael Marcos" userId="073fcd4a057fd8c8" providerId="LiveId" clId="{85E3E2ED-7676-4B99-BFE6-6E4C3D55A332}" dt="2024-06-10T15:52:25.049" v="4642"/>
+          <ac:spMkLst>
+            <pc:docMk/>
+            <pc:sldMk cId="4230849476" sldId="2642"/>
+            <ac:spMk id="5" creationId="{FD514FB8-3FB9-9BA0-8138-DFFCB8549FF9}"/>
+          </ac:spMkLst>
+        </pc:spChg>
+        <pc:spChg chg="mod ord topLvl">
+          <ac:chgData name="Rafael Marcos" userId="073fcd4a057fd8c8" providerId="LiveId" clId="{85E3E2ED-7676-4B99-BFE6-6E4C3D55A332}" dt="2024-06-10T16:13:34.092" v="5137" actId="164"/>
+          <ac:spMkLst>
+            <pc:docMk/>
+            <pc:sldMk cId="4230849476" sldId="2642"/>
+            <ac:spMk id="11" creationId="{3F9B5C9F-6392-7399-4BF7-0EE855A3D915}"/>
+          </ac:spMkLst>
+        </pc:spChg>
+        <pc:spChg chg="add mod">
+          <ac:chgData name="Rafael Marcos" userId="073fcd4a057fd8c8" providerId="LiveId" clId="{85E3E2ED-7676-4B99-BFE6-6E4C3D55A332}" dt="2024-06-10T15:53:27.658" v="4691" actId="20577"/>
+          <ac:spMkLst>
+            <pc:docMk/>
+            <pc:sldMk cId="4230849476" sldId="2642"/>
+            <ac:spMk id="15" creationId="{A376B4B8-5E5D-22F0-8AEC-CC4A1EBA641F}"/>
+          </ac:spMkLst>
+        </pc:spChg>
+        <pc:spChg chg="add mod topLvl">
+          <ac:chgData name="Rafael Marcos" userId="073fcd4a057fd8c8" providerId="LiveId" clId="{85E3E2ED-7676-4B99-BFE6-6E4C3D55A332}" dt="2024-06-10T16:13:34.092" v="5137" actId="164"/>
+          <ac:spMkLst>
+            <pc:docMk/>
+            <pc:sldMk cId="4230849476" sldId="2642"/>
+            <ac:spMk id="20" creationId="{57C2B0CD-1E25-367B-0E15-7490570C53AE}"/>
+          </ac:spMkLst>
+        </pc:spChg>
+        <pc:spChg chg="add del mod">
+          <ac:chgData name="Rafael Marcos" userId="073fcd4a057fd8c8" providerId="LiveId" clId="{85E3E2ED-7676-4B99-BFE6-6E4C3D55A332}" dt="2024-06-10T16:03:25.847" v="4806" actId="478"/>
+          <ac:spMkLst>
+            <pc:docMk/>
+            <pc:sldMk cId="4230849476" sldId="2642"/>
+            <ac:spMk id="21" creationId="{41A4D73E-5D83-E0EF-9838-A7EB68D85123}"/>
+          </ac:spMkLst>
+        </pc:spChg>
+        <pc:grpChg chg="add mod">
+          <ac:chgData name="Rafael Marcos" userId="073fcd4a057fd8c8" providerId="LiveId" clId="{85E3E2ED-7676-4B99-BFE6-6E4C3D55A332}" dt="2024-06-10T15:52:25.049" v="4642"/>
+          <ac:grpSpMkLst>
+            <pc:docMk/>
+            <pc:sldMk cId="4230849476" sldId="2642"/>
+            <ac:grpSpMk id="4" creationId="{021988C8-674D-372B-8D64-137A0F20CE24}"/>
+          </ac:grpSpMkLst>
+        </pc:grpChg>
+        <pc:grpChg chg="add del mod">
+          <ac:chgData name="Rafael Marcos" userId="073fcd4a057fd8c8" providerId="LiveId" clId="{85E3E2ED-7676-4B99-BFE6-6E4C3D55A332}" dt="2024-06-10T15:52:29.053" v="4644" actId="478"/>
+          <ac:grpSpMkLst>
+            <pc:docMk/>
+            <pc:sldMk cId="4230849476" sldId="2642"/>
+            <ac:grpSpMk id="7" creationId="{F1CA23E9-0B99-6ADC-F2E8-5125D2E03C15}"/>
+          </ac:grpSpMkLst>
+        </pc:grpChg>
+        <pc:grpChg chg="add del mod">
+          <ac:chgData name="Rafael Marcos" userId="073fcd4a057fd8c8" providerId="LiveId" clId="{85E3E2ED-7676-4B99-BFE6-6E4C3D55A332}" dt="2024-06-10T15:52:47.094" v="4649" actId="478"/>
+          <ac:grpSpMkLst>
+            <pc:docMk/>
+            <pc:sldMk cId="4230849476" sldId="2642"/>
+            <ac:grpSpMk id="10" creationId="{7AA38C37-CEC5-9464-595D-DA7D0908EB18}"/>
+          </ac:grpSpMkLst>
+        </pc:grpChg>
+        <pc:grpChg chg="del mod">
+          <ac:chgData name="Rafael Marcos" userId="073fcd4a057fd8c8" providerId="LiveId" clId="{85E3E2ED-7676-4B99-BFE6-6E4C3D55A332}" dt="2024-06-10T15:52:41.290" v="4646" actId="478"/>
+          <ac:grpSpMkLst>
+            <pc:docMk/>
+            <pc:sldMk cId="4230849476" sldId="2642"/>
+            <ac:grpSpMk id="12" creationId="{487F92C5-C0B5-393A-3E23-53966506E22D}"/>
+          </ac:grpSpMkLst>
+        </pc:grpChg>
+        <pc:grpChg chg="add mod">
+          <ac:chgData name="Rafael Marcos" userId="073fcd4a057fd8c8" providerId="LiveId" clId="{85E3E2ED-7676-4B99-BFE6-6E4C3D55A332}" dt="2024-06-10T16:07:51.191" v="5047" actId="164"/>
+          <ac:grpSpMkLst>
+            <pc:docMk/>
+            <pc:sldMk cId="4230849476" sldId="2642"/>
+            <ac:grpSpMk id="22" creationId="{B163726B-A6ED-6417-5235-EE97288380F2}"/>
+          </ac:grpSpMkLst>
+        </pc:grpChg>
+        <pc:grpChg chg="add del mod">
+          <ac:chgData name="Rafael Marcos" userId="073fcd4a057fd8c8" providerId="LiveId" clId="{85E3E2ED-7676-4B99-BFE6-6E4C3D55A332}" dt="2024-06-10T16:08:34.541" v="5057" actId="165"/>
+          <ac:grpSpMkLst>
+            <pc:docMk/>
+            <pc:sldMk cId="4230849476" sldId="2642"/>
+            <ac:grpSpMk id="23" creationId="{B6CF7EB2-CEFD-C033-F133-6CB639DF1AAC}"/>
+          </ac:grpSpMkLst>
+        </pc:grpChg>
+        <pc:grpChg chg="add mod">
+          <ac:chgData name="Rafael Marcos" userId="073fcd4a057fd8c8" providerId="LiveId" clId="{85E3E2ED-7676-4B99-BFE6-6E4C3D55A332}" dt="2024-06-10T16:13:34.092" v="5137" actId="164"/>
+          <ac:grpSpMkLst>
+            <pc:docMk/>
+            <pc:sldMk cId="4230849476" sldId="2642"/>
+            <ac:grpSpMk id="24" creationId="{B47BC2AD-03EB-F287-64A9-354299AE00FC}"/>
+          </ac:grpSpMkLst>
+        </pc:grpChg>
+        <pc:picChg chg="add del mod modCrop">
+          <ac:chgData name="Rafael Marcos" userId="073fcd4a057fd8c8" providerId="LiveId" clId="{85E3E2ED-7676-4B99-BFE6-6E4C3D55A332}" dt="2024-06-10T15:54:40.765" v="4697" actId="478"/>
           <ac:picMkLst>
             <pc:docMk/>
             <pc:sldMk cId="4230849476" sldId="2642"/>
             <ac:picMk id="6" creationId="{CE4BC69D-9B44-3A96-9653-3FD3AFBB3D4E}"/>
           </ac:picMkLst>
         </pc:picChg>
+        <pc:picChg chg="mod">
+          <ac:chgData name="Rafael Marcos" userId="073fcd4a057fd8c8" providerId="LiveId" clId="{85E3E2ED-7676-4B99-BFE6-6E4C3D55A332}" dt="2024-06-10T15:52:29.053" v="4644" actId="478"/>
+          <ac:picMkLst>
+            <pc:docMk/>
+            <pc:sldMk cId="4230849476" sldId="2642"/>
+            <ac:picMk id="8" creationId="{AE9685CE-3CA4-1CF1-BF78-572C59CB917D}"/>
+          </ac:picMkLst>
+        </pc:picChg>
+        <pc:picChg chg="add del mod">
+          <ac:chgData name="Rafael Marcos" userId="073fcd4a057fd8c8" providerId="LiveId" clId="{85E3E2ED-7676-4B99-BFE6-6E4C3D55A332}" dt="2024-06-10T15:52:29.053" v="4644" actId="478"/>
+          <ac:picMkLst>
+            <pc:docMk/>
+            <pc:sldMk cId="4230849476" sldId="2642"/>
+            <ac:picMk id="9" creationId="{814DAAD2-B620-A4BD-AE69-058384A187C6}"/>
+          </ac:picMkLst>
+        </pc:picChg>
+        <pc:picChg chg="del mod">
+          <ac:chgData name="Rafael Marcos" userId="073fcd4a057fd8c8" providerId="LiveId" clId="{85E3E2ED-7676-4B99-BFE6-6E4C3D55A332}" dt="2024-06-10T15:52:41.290" v="4646" actId="478"/>
+          <ac:picMkLst>
+            <pc:docMk/>
+            <pc:sldMk cId="4230849476" sldId="2642"/>
+            <ac:picMk id="13" creationId="{60F3B10F-14B3-DB2E-3D43-78BE46AF17D5}"/>
+          </ac:picMkLst>
+        </pc:picChg>
+        <pc:picChg chg="del mod topLvl">
+          <ac:chgData name="Rafael Marcos" userId="073fcd4a057fd8c8" providerId="LiveId" clId="{85E3E2ED-7676-4B99-BFE6-6E4C3D55A332}" dt="2024-06-10T15:52:47.094" v="4649" actId="478"/>
+          <ac:picMkLst>
+            <pc:docMk/>
+            <pc:sldMk cId="4230849476" sldId="2642"/>
+            <ac:picMk id="14" creationId="{C4B74924-E3B3-DE06-DAEA-201974BC6421}"/>
+          </ac:picMkLst>
+        </pc:picChg>
+        <pc:picChg chg="add mod topLvl">
+          <ac:chgData name="Rafael Marcos" userId="073fcd4a057fd8c8" providerId="LiveId" clId="{85E3E2ED-7676-4B99-BFE6-6E4C3D55A332}" dt="2024-06-10T16:13:34.092" v="5137" actId="164"/>
+          <ac:picMkLst>
+            <pc:docMk/>
+            <pc:sldMk cId="4230849476" sldId="2642"/>
+            <ac:picMk id="17" creationId="{DC35CA70-BBAA-9737-7BB8-0A551C204E07}"/>
+          </ac:picMkLst>
+        </pc:picChg>
+        <pc:picChg chg="add mod topLvl modCrop">
+          <ac:chgData name="Rafael Marcos" userId="073fcd4a057fd8c8" providerId="LiveId" clId="{85E3E2ED-7676-4B99-BFE6-6E4C3D55A332}" dt="2024-06-10T16:13:34.092" v="5137" actId="164"/>
+          <ac:picMkLst>
+            <pc:docMk/>
+            <pc:sldMk cId="4230849476" sldId="2642"/>
+            <ac:picMk id="19" creationId="{2C5A8B03-5480-67D7-CB21-B3A063510ED5}"/>
+          </ac:picMkLst>
+        </pc:picChg>
       </pc:sldChg>
       <pc:sldChg chg="addSp delSp modSp add mod">
-        <pc:chgData name="Rafael Marcos" userId="073fcd4a057fd8c8" providerId="LiveId" clId="{85E3E2ED-7676-4B99-BFE6-6E4C3D55A332}" dt="2024-06-10T08:25:29.281" v="3147" actId="20577"/>
+        <pc:chgData name="Rafael Marcos" userId="073fcd4a057fd8c8" providerId="LiveId" clId="{85E3E2ED-7676-4B99-BFE6-6E4C3D55A332}" dt="2024-06-10T15:51:51.887" v="4641" actId="14100"/>
         <pc:sldMkLst>
           <pc:docMk/>
           <pc:sldMk cId="3011156808" sldId="2643"/>
         </pc:sldMkLst>
+        <pc:spChg chg="del mod">
+          <ac:chgData name="Rafael Marcos" userId="073fcd4a057fd8c8" providerId="LiveId" clId="{85E3E2ED-7676-4B99-BFE6-6E4C3D55A332}" dt="2024-06-10T15:20:57.207" v="4438" actId="478"/>
+          <ac:spMkLst>
+            <pc:docMk/>
+            <pc:sldMk cId="3011156808" sldId="2643"/>
+            <ac:spMk id="3" creationId="{0F24BE2D-0315-4B55-FF12-E60DAD0A8F27}"/>
+          </ac:spMkLst>
+        </pc:spChg>
         <pc:spChg chg="mod">
           <ac:chgData name="Rafael Marcos" userId="073fcd4a057fd8c8" providerId="LiveId" clId="{85E3E2ED-7676-4B99-BFE6-6E4C3D55A332}" dt="2024-06-10T08:25:29.281" v="3147" actId="20577"/>
           <ac:spMkLst>
             <pc:docMk/>
             <pc:sldMk cId="3011156808" sldId="2643"/>
             <ac:spMk id="4" creationId="{300A9960-0895-E7B8-4E0C-33DF96D3D5D4}"/>
+          </ac:spMkLst>
+        </pc:spChg>
+        <pc:spChg chg="add mod">
+          <ac:chgData name="Rafael Marcos" userId="073fcd4a057fd8c8" providerId="LiveId" clId="{85E3E2ED-7676-4B99-BFE6-6E4C3D55A332}" dt="2024-06-10T15:25:42.849" v="4459" actId="20577"/>
+          <ac:spMkLst>
+            <pc:docMk/>
+            <pc:sldMk cId="3011156808" sldId="2643"/>
+            <ac:spMk id="6" creationId="{AB94C461-C907-E390-CD18-3BC3F87A2A69}"/>
+          </ac:spMkLst>
+        </pc:spChg>
+        <pc:spChg chg="add mod ord">
+          <ac:chgData name="Rafael Marcos" userId="073fcd4a057fd8c8" providerId="LiveId" clId="{85E3E2ED-7676-4B99-BFE6-6E4C3D55A332}" dt="2024-06-10T15:51:51.887" v="4641" actId="14100"/>
+          <ac:spMkLst>
+            <pc:docMk/>
+            <pc:sldMk cId="3011156808" sldId="2643"/>
+            <ac:spMk id="7" creationId="{1922F11D-E0AA-B384-7011-B9B7B5E200F3}"/>
           </ac:spMkLst>
         </pc:spChg>
         <pc:grpChg chg="del">
@@ -2642,7 +3097,7 @@
           </ac:grpSpMkLst>
         </pc:grpChg>
         <pc:picChg chg="add mod">
-          <ac:chgData name="Rafael Marcos" userId="073fcd4a057fd8c8" providerId="LiveId" clId="{85E3E2ED-7676-4B99-BFE6-6E4C3D55A332}" dt="2024-06-10T07:24:23.274" v="2399" actId="1076"/>
+          <ac:chgData name="Rafael Marcos" userId="073fcd4a057fd8c8" providerId="LiveId" clId="{85E3E2ED-7676-4B99-BFE6-6E4C3D55A332}" dt="2024-06-10T15:51:45.221" v="4640" actId="14100"/>
           <ac:picMkLst>
             <pc:docMk/>
             <pc:sldMk cId="3011156808" sldId="2643"/>
@@ -2651,7 +3106,7 @@
         </pc:picChg>
       </pc:sldChg>
       <pc:sldChg chg="addSp delSp modSp add mod ord">
-        <pc:chgData name="Rafael Marcos" userId="073fcd4a057fd8c8" providerId="LiveId" clId="{85E3E2ED-7676-4B99-BFE6-6E4C3D55A332}" dt="2024-06-10T09:11:13.398" v="3493"/>
+        <pc:chgData name="Rafael Marcos" userId="073fcd4a057fd8c8" providerId="LiveId" clId="{85E3E2ED-7676-4B99-BFE6-6E4C3D55A332}" dt="2024-06-10T16:19:40.641" v="5334" actId="20577"/>
         <pc:sldMkLst>
           <pc:docMk/>
           <pc:sldMk cId="1698785771" sldId="2644"/>
@@ -2665,7 +3120,7 @@
           </ac:spMkLst>
         </pc:spChg>
         <pc:spChg chg="mod">
-          <ac:chgData name="Rafael Marcos" userId="073fcd4a057fd8c8" providerId="LiveId" clId="{85E3E2ED-7676-4B99-BFE6-6E4C3D55A332}" dt="2024-06-10T09:00:22.639" v="3287" actId="20577"/>
+          <ac:chgData name="Rafael Marcos" userId="073fcd4a057fd8c8" providerId="LiveId" clId="{85E3E2ED-7676-4B99-BFE6-6E4C3D55A332}" dt="2024-06-10T16:19:40.641" v="5334" actId="20577"/>
           <ac:spMkLst>
             <pc:docMk/>
             <pc:sldMk cId="1698785771" sldId="2644"/>
@@ -2710,6 +3165,21 @@
             <pc:docMk/>
             <pc:sldMk cId="1698785771" sldId="2644"/>
             <ac:picMk id="4" creationId="{6BB276F8-84B4-2226-A089-CE52E7F01616}"/>
+          </ac:picMkLst>
+        </pc:picChg>
+      </pc:sldChg>
+      <pc:sldChg chg="modSp add del mod">
+        <pc:chgData name="Rafael Marcos" userId="073fcd4a057fd8c8" providerId="LiveId" clId="{85E3E2ED-7676-4B99-BFE6-6E4C3D55A332}" dt="2024-06-10T15:48:14.382" v="4627"/>
+        <pc:sldMkLst>
+          <pc:docMk/>
+          <pc:sldMk cId="564537058" sldId="2645"/>
+        </pc:sldMkLst>
+        <pc:picChg chg="mod">
+          <ac:chgData name="Rafael Marcos" userId="073fcd4a057fd8c8" providerId="LiveId" clId="{85E3E2ED-7676-4B99-BFE6-6E4C3D55A332}" dt="2024-06-10T15:48:13.332" v="4626" actId="14100"/>
+          <ac:picMkLst>
+            <pc:docMk/>
+            <pc:sldMk cId="564537058" sldId="2645"/>
+            <ac:picMk id="12" creationId="{B4286757-1230-D633-56F5-AB8A89E072FB}"/>
           </ac:picMkLst>
         </pc:picChg>
       </pc:sldChg>
@@ -2844,7 +3314,7 @@
             <a:pPr rtl="0"/>
             <a:fld id="{1558121A-9C20-492E-90A7-0038EA50E9B3}" type="datetime1">
               <a:rPr lang="en-GB" smtClean="0"/>
-              <a:t>09/06/2024</a:t>
+              <a:t>10/06/2024</a:t>
             </a:fld>
             <a:endParaRPr lang="en-GB"/>
           </a:p>
@@ -3026,7 +3496,7 @@
             <a:pPr rtl="0"/>
             <a:fld id="{98922E8E-612C-4AAE-AA42-7EE0F338E0D7}" type="datetime1">
               <a:rPr lang="en-GB" noProof="0" smtClean="0"/>
-              <a:t>09/06/2024</a:t>
+              <a:t>10/06/2024</a:t>
             </a:fld>
             <a:endParaRPr lang="en-GB" noProof="0"/>
           </a:p>
@@ -19611,62 +20081,226 @@
       </p:sp>
       <p:sp>
         <p:nvSpPr>
-          <p:cNvPr id="3" name="Text Placeholder 2">
-            <a:extLst>
-              <a:ext uri="{FF2B5EF4-FFF2-40B4-BE49-F238E27FC236}">
-                <a16:creationId xmlns:a16="http://schemas.microsoft.com/office/drawing/2014/main" id="{D0C03A75-8B21-72BA-2445-C4BF8E3B71EC}"/>
-              </a:ext>
-            </a:extLst>
-          </p:cNvPr>
-          <p:cNvSpPr>
-            <a:spLocks noGrp="1"/>
-          </p:cNvSpPr>
-          <p:nvPr>
-            <p:ph type="body" sz="quarter" idx="10"/>
-          </p:nvPr>
-        </p:nvSpPr>
-        <p:spPr/>
-        <p:txBody>
-          <a:bodyPr/>
-          <a:lstStyle/>
-          <a:p>
-            <a:r>
-              <a:rPr lang="es-ES" dirty="0"/>
-              <a:t>2</a:t>
-            </a:r>
-            <a:endParaRPr lang="en-GB" dirty="0"/>
-          </a:p>
-        </p:txBody>
-      </p:sp>
-      <p:pic>
-        <p:nvPicPr>
-          <p:cNvPr id="6" name="Picture 5">
-            <a:extLst>
-              <a:ext uri="{FF2B5EF4-FFF2-40B4-BE49-F238E27FC236}">
-                <a16:creationId xmlns:a16="http://schemas.microsoft.com/office/drawing/2014/main" id="{CE4BC69D-9B44-3A96-9653-3FD3AFBB3D4E}"/>
-              </a:ext>
-            </a:extLst>
-          </p:cNvPr>
-          <p:cNvPicPr>
-            <a:picLocks noChangeAspect="1"/>
-          </p:cNvPicPr>
+          <p:cNvPr id="15" name="TextBox 14">
+            <a:extLst>
+              <a:ext uri="{FF2B5EF4-FFF2-40B4-BE49-F238E27FC236}">
+                <a16:creationId xmlns:a16="http://schemas.microsoft.com/office/drawing/2014/main" id="{A376B4B8-5E5D-22F0-8AEC-CC4A1EBA641F}"/>
+              </a:ext>
+            </a:extLst>
+          </p:cNvPr>
+          <p:cNvSpPr txBox="1"/>
           <p:nvPr/>
-        </p:nvPicPr>
-        <p:blipFill rotWithShape="1">
-          <a:blip r:embed="rId2"/>
-          <a:srcRect r="1391"/>
-          <a:stretch/>
-        </p:blipFill>
-        <p:spPr>
-          <a:xfrm>
-            <a:off x="1172439" y="1690688"/>
-            <a:ext cx="7920762" cy="4503589"/>
+        </p:nvSpPr>
+        <p:spPr>
+          <a:xfrm>
+            <a:off x="838200" y="1618567"/>
+            <a:ext cx="9254706" cy="707886"/>
           </a:xfrm>
           <a:prstGeom prst="rect">
             <a:avLst/>
           </a:prstGeom>
-        </p:spPr>
-      </p:pic>
+          <a:noFill/>
+        </p:spPr>
+        <p:txBody>
+          <a:bodyPr wrap="square" rtlCol="0">
+            <a:spAutoFit/>
+          </a:bodyPr>
+          <a:lstStyle/>
+          <a:p>
+            <a:pPr algn="just"/>
+            <a:r>
+              <a:rPr lang="es-ES" sz="2000" spc="300" dirty="0">
+                <a:solidFill>
+                  <a:srgbClr val="FFFFFF"/>
+                </a:solidFill>
+                <a:latin typeface="Arial"/>
+                <a:cs typeface="Arial" panose="020B0604020202020204" pitchFamily="34" charset="0"/>
+              </a:rPr>
+              <a:t>SALARIO MENSUAL POR PUESTO DE TRABAJO</a:t>
+            </a:r>
+          </a:p>
+          <a:p>
+            <a:pPr algn="just"/>
+            <a:endParaRPr lang="es-ES" sz="2000" spc="300" dirty="0">
+              <a:solidFill>
+                <a:srgbClr val="FFFFFF"/>
+              </a:solidFill>
+              <a:latin typeface="Arial"/>
+              <a:cs typeface="Arial" panose="020B0604020202020204" pitchFamily="34" charset="0"/>
+            </a:endParaRPr>
+          </a:p>
+        </p:txBody>
+      </p:sp>
+      <p:grpSp>
+        <p:nvGrpSpPr>
+          <p:cNvPr id="24" name="Group 23">
+            <a:extLst>
+              <a:ext uri="{FF2B5EF4-FFF2-40B4-BE49-F238E27FC236}">
+                <a16:creationId xmlns:a16="http://schemas.microsoft.com/office/drawing/2014/main" id="{B47BC2AD-03EB-F287-64A9-354299AE00FC}"/>
+              </a:ext>
+            </a:extLst>
+          </p:cNvPr>
+          <p:cNvGrpSpPr/>
+          <p:nvPr/>
+        </p:nvGrpSpPr>
+        <p:grpSpPr>
+          <a:xfrm>
+            <a:off x="970090" y="2122369"/>
+            <a:ext cx="9732122" cy="4259770"/>
+            <a:chOff x="970090" y="2122369"/>
+            <a:chExt cx="9732122" cy="4259770"/>
+          </a:xfrm>
+        </p:grpSpPr>
+        <p:sp>
+          <p:nvSpPr>
+            <p:cNvPr id="11" name="Rectangle 10">
+              <a:extLst>
+                <a:ext uri="{FF2B5EF4-FFF2-40B4-BE49-F238E27FC236}">
+                  <a16:creationId xmlns:a16="http://schemas.microsoft.com/office/drawing/2014/main" id="{3F9B5C9F-6392-7399-4BF7-0EE855A3D915}"/>
+                </a:ext>
+              </a:extLst>
+            </p:cNvPr>
+            <p:cNvSpPr/>
+            <p:nvPr/>
+          </p:nvSpPr>
+          <p:spPr>
+            <a:xfrm>
+              <a:off x="970090" y="2122369"/>
+              <a:ext cx="9732122" cy="4259770"/>
+            </a:xfrm>
+            <a:prstGeom prst="rect">
+              <a:avLst/>
+            </a:prstGeom>
+            <a:solidFill>
+              <a:schemeClr val="bg1"/>
+            </a:solidFill>
+            <a:ln>
+              <a:solidFill>
+                <a:schemeClr val="bg1"/>
+              </a:solidFill>
+            </a:ln>
+          </p:spPr>
+          <p:style>
+            <a:lnRef idx="2">
+              <a:schemeClr val="accent1">
+                <a:shade val="15000"/>
+              </a:schemeClr>
+            </a:lnRef>
+            <a:fillRef idx="1">
+              <a:schemeClr val="accent1"/>
+            </a:fillRef>
+            <a:effectRef idx="0">
+              <a:schemeClr val="accent1"/>
+            </a:effectRef>
+            <a:fontRef idx="minor">
+              <a:schemeClr val="lt1"/>
+            </a:fontRef>
+          </p:style>
+          <p:txBody>
+            <a:bodyPr rtlCol="0" anchor="ctr"/>
+            <a:lstStyle/>
+            <a:p>
+              <a:pPr algn="ctr"/>
+              <a:endParaRPr lang="en-GB" dirty="0"/>
+            </a:p>
+          </p:txBody>
+        </p:sp>
+        <p:pic>
+          <p:nvPicPr>
+            <p:cNvPr id="17" name="Picture 16">
+              <a:extLst>
+                <a:ext uri="{FF2B5EF4-FFF2-40B4-BE49-F238E27FC236}">
+                  <a16:creationId xmlns:a16="http://schemas.microsoft.com/office/drawing/2014/main" id="{DC35CA70-BBAA-9737-7BB8-0A551C204E07}"/>
+                </a:ext>
+              </a:extLst>
+            </p:cNvPr>
+            <p:cNvPicPr>
+              <a:picLocks noChangeAspect="1"/>
+            </p:cNvPicPr>
+            <p:nvPr/>
+          </p:nvPicPr>
+          <p:blipFill>
+            <a:blip r:embed="rId2"/>
+            <a:stretch>
+              <a:fillRect/>
+            </a:stretch>
+          </p:blipFill>
+          <p:spPr>
+            <a:xfrm>
+              <a:off x="970090" y="2301054"/>
+              <a:ext cx="4945518" cy="3977211"/>
+            </a:xfrm>
+            <a:prstGeom prst="rect">
+              <a:avLst/>
+            </a:prstGeom>
+          </p:spPr>
+        </p:pic>
+        <p:pic>
+          <p:nvPicPr>
+            <p:cNvPr id="19" name="Picture 18">
+              <a:extLst>
+                <a:ext uri="{FF2B5EF4-FFF2-40B4-BE49-F238E27FC236}">
+                  <a16:creationId xmlns:a16="http://schemas.microsoft.com/office/drawing/2014/main" id="{2C5A8B03-5480-67D7-CB21-B3A063510ED5}"/>
+                </a:ext>
+              </a:extLst>
+            </p:cNvPr>
+            <p:cNvPicPr>
+              <a:picLocks noChangeAspect="1"/>
+            </p:cNvPicPr>
+            <p:nvPr/>
+          </p:nvPicPr>
+          <p:blipFill rotWithShape="1">
+            <a:blip r:embed="rId3"/>
+            <a:srcRect t="-4109" b="-1"/>
+            <a:stretch/>
+          </p:blipFill>
+          <p:spPr>
+            <a:xfrm>
+              <a:off x="5907157" y="2251806"/>
+              <a:ext cx="4594380" cy="2043721"/>
+            </a:xfrm>
+            <a:prstGeom prst="rect">
+              <a:avLst/>
+            </a:prstGeom>
+          </p:spPr>
+        </p:pic>
+        <p:sp>
+          <p:nvSpPr>
+            <p:cNvPr id="20" name="TextBox 19">
+              <a:extLst>
+                <a:ext uri="{FF2B5EF4-FFF2-40B4-BE49-F238E27FC236}">
+                  <a16:creationId xmlns:a16="http://schemas.microsoft.com/office/drawing/2014/main" id="{57C2B0CD-1E25-367B-0E15-7490570C53AE}"/>
+                </a:ext>
+              </a:extLst>
+            </p:cNvPr>
+            <p:cNvSpPr txBox="1"/>
+            <p:nvPr/>
+          </p:nvSpPr>
+          <p:spPr>
+            <a:xfrm>
+              <a:off x="6267063" y="4508265"/>
+              <a:ext cx="4225143" cy="1477328"/>
+            </a:xfrm>
+            <a:prstGeom prst="rect">
+              <a:avLst/>
+            </a:prstGeom>
+            <a:noFill/>
+          </p:spPr>
+          <p:txBody>
+            <a:bodyPr wrap="square" rtlCol="0">
+              <a:spAutoFit/>
+            </a:bodyPr>
+            <a:lstStyle/>
+            <a:p>
+              <a:pPr algn="just"/>
+              <a:r>
+                <a:rPr lang="es-ES" dirty="0"/>
+                <a:t>A medida que aumenta el número de años trabajados en la empresa, el rol desempeñado de dentro de la misma mejora y el salario mensual percibido se incrementa.</a:t>
+              </a:r>
+            </a:p>
+          </p:txBody>
+        </p:sp>
+      </p:grpSp>
     </p:spTree>
     <p:extLst>
       <p:ext uri="{BB962C8B-B14F-4D97-AF65-F5344CB8AC3E}">
@@ -21218,8 +21852,8 @@
         </p:nvSpPr>
         <p:spPr>
           <a:xfrm>
-            <a:off x="7626121" y="1982153"/>
-            <a:ext cx="3261360" cy="2585323"/>
+            <a:off x="7626121" y="2010146"/>
+            <a:ext cx="3261360" cy="4247317"/>
           </a:xfrm>
           <a:prstGeom prst="rect">
             <a:avLst/>
@@ -21241,7 +21875,27 @@
                   </a:schemeClr>
                 </a:solidFill>
               </a:rPr>
-              <a:t>Hay un porcentaje alto de los trabajadores en Investigación y Desarrollo con un puesto de empleado normal.</a:t>
+              <a:t>Viendo las distribuciones anteriores se deduce que un porcentaje alto de los </a:t>
+            </a:r>
+            <a:r>
+              <a:rPr lang="es-ES">
+                <a:solidFill>
+                  <a:schemeClr val="bg1">
+                    <a:lumMod val="95000"/>
+                  </a:schemeClr>
+                </a:solidFill>
+              </a:rPr>
+              <a:t>trabajadores de </a:t>
+            </a:r>
+            <a:r>
+              <a:rPr lang="es-ES" dirty="0">
+                <a:solidFill>
+                  <a:schemeClr val="bg1">
+                    <a:lumMod val="95000"/>
+                  </a:schemeClr>
+                </a:solidFill>
+              </a:rPr>
+              <a:t>I+D tienen un puesto de empleado normal.</a:t>
             </a:r>
           </a:p>
           <a:p>
@@ -21264,7 +21918,30 @@
                   </a:schemeClr>
                 </a:solidFill>
               </a:rPr>
-              <a:t>En este sentido, podría haber una diferencia en el salario en función del área de estudios.</a:t>
+              <a:t>Asimismo, habría un porcentaje más elevado de trabajadores en Ventas con un puesto de gerencia medio.</a:t>
+            </a:r>
+          </a:p>
+          <a:p>
+            <a:pPr algn="just"/>
+            <a:endParaRPr lang="es-ES" dirty="0">
+              <a:solidFill>
+                <a:schemeClr val="bg1">
+                  <a:lumMod val="95000"/>
+                </a:schemeClr>
+              </a:solidFill>
+            </a:endParaRPr>
+          </a:p>
+          <a:p>
+            <a:pPr algn="just"/>
+            <a:r>
+              <a:rPr lang="es-ES" dirty="0">
+                <a:solidFill>
+                  <a:schemeClr val="bg1">
+                    <a:lumMod val="95000"/>
+                  </a:schemeClr>
+                </a:solidFill>
+              </a:rPr>
+              <a:t>Podría haber una diferencia en el salario en función del área de estudios.</a:t>
             </a:r>
             <a:endParaRPr lang="en-GB" dirty="0">
               <a:solidFill>
@@ -21558,35 +22235,6 @@
       </p:sp>
       <p:sp>
         <p:nvSpPr>
-          <p:cNvPr id="4" name="Text Placeholder 3">
-            <a:extLst>
-              <a:ext uri="{FF2B5EF4-FFF2-40B4-BE49-F238E27FC236}">
-                <a16:creationId xmlns:a16="http://schemas.microsoft.com/office/drawing/2014/main" id="{FD47FBB8-2A87-4FDD-8742-D0C12871A3DD}"/>
-              </a:ext>
-            </a:extLst>
-          </p:cNvPr>
-          <p:cNvSpPr>
-            <a:spLocks noGrp="1"/>
-          </p:cNvSpPr>
-          <p:nvPr>
-            <p:ph type="body" sz="quarter" idx="10"/>
-          </p:nvPr>
-        </p:nvSpPr>
-        <p:spPr/>
-        <p:txBody>
-          <a:bodyPr rtlCol="0"/>
-          <a:lstStyle/>
-          <a:p>
-            <a:pPr rtl="0"/>
-            <a:r>
-              <a:rPr lang="en-GB"/>
-              <a:t>1</a:t>
-            </a:r>
-          </a:p>
-        </p:txBody>
-      </p:sp>
-      <p:sp>
-        <p:nvSpPr>
           <p:cNvPr id="2" name="TextBox 1">
             <a:extLst>
               <a:ext uri="{FF2B5EF4-FFF2-40B4-BE49-F238E27FC236}">
@@ -23846,35 +24494,6 @@
       </p:sp>
       <p:sp>
         <p:nvSpPr>
-          <p:cNvPr id="3" name="Text Placeholder 2">
-            <a:extLst>
-              <a:ext uri="{FF2B5EF4-FFF2-40B4-BE49-F238E27FC236}">
-                <a16:creationId xmlns:a16="http://schemas.microsoft.com/office/drawing/2014/main" id="{C029C8AC-0BFA-3BD5-4209-EA08A98FE950}"/>
-              </a:ext>
-            </a:extLst>
-          </p:cNvPr>
-          <p:cNvSpPr>
-            <a:spLocks noGrp="1"/>
-          </p:cNvSpPr>
-          <p:nvPr>
-            <p:ph type="body" sz="quarter" idx="10"/>
-          </p:nvPr>
-        </p:nvSpPr>
-        <p:spPr/>
-        <p:txBody>
-          <a:bodyPr/>
-          <a:lstStyle/>
-          <a:p>
-            <a:r>
-              <a:rPr lang="es-ES" dirty="0"/>
-              <a:t>2</a:t>
-            </a:r>
-            <a:endParaRPr lang="en-GB" dirty="0"/>
-          </a:p>
-        </p:txBody>
-      </p:sp>
-      <p:sp>
-        <p:nvSpPr>
           <p:cNvPr id="4" name="TextBox 3">
             <a:extLst>
               <a:ext uri="{FF2B5EF4-FFF2-40B4-BE49-F238E27FC236}">
@@ -25192,6 +25811,60 @@
       </p:grpSpPr>
       <p:sp>
         <p:nvSpPr>
+          <p:cNvPr id="10" name="Rectangle 9">
+            <a:extLst>
+              <a:ext uri="{FF2B5EF4-FFF2-40B4-BE49-F238E27FC236}">
+                <a16:creationId xmlns:a16="http://schemas.microsoft.com/office/drawing/2014/main" id="{5A7DF35A-0198-6E51-3B4D-2F66148BCC76}"/>
+              </a:ext>
+            </a:extLst>
+          </p:cNvPr>
+          <p:cNvSpPr/>
+          <p:nvPr/>
+        </p:nvSpPr>
+        <p:spPr>
+          <a:xfrm>
+            <a:off x="940839" y="2132388"/>
+            <a:ext cx="6560973" cy="4307387"/>
+          </a:xfrm>
+          <a:prstGeom prst="rect">
+            <a:avLst/>
+          </a:prstGeom>
+          <a:solidFill>
+            <a:schemeClr val="bg1"/>
+          </a:solidFill>
+          <a:ln>
+            <a:solidFill>
+              <a:schemeClr val="bg1"/>
+            </a:solidFill>
+          </a:ln>
+        </p:spPr>
+        <p:style>
+          <a:lnRef idx="2">
+            <a:schemeClr val="accent1">
+              <a:shade val="15000"/>
+            </a:schemeClr>
+          </a:lnRef>
+          <a:fillRef idx="1">
+            <a:schemeClr val="accent1"/>
+          </a:fillRef>
+          <a:effectRef idx="0">
+            <a:schemeClr val="accent1"/>
+          </a:effectRef>
+          <a:fontRef idx="minor">
+            <a:schemeClr val="lt1"/>
+          </a:fontRef>
+        </p:style>
+        <p:txBody>
+          <a:bodyPr rtlCol="0" anchor="ctr"/>
+          <a:lstStyle/>
+          <a:p>
+            <a:pPr algn="ctr"/>
+            <a:endParaRPr lang="en-GB" dirty="0"/>
+          </a:p>
+        </p:txBody>
+      </p:sp>
+      <p:sp>
+        <p:nvSpPr>
           <p:cNvPr id="2" name="Title 1">
             <a:extLst>
               <a:ext uri="{FF2B5EF4-FFF2-40B4-BE49-F238E27FC236}">
@@ -25216,35 +25889,6 @@
             <a:r>
               <a:rPr lang="es-ES" dirty="0"/>
               <a:t>Análisis Univariante</a:t>
-            </a:r>
-            <a:endParaRPr lang="en-GB" dirty="0"/>
-          </a:p>
-        </p:txBody>
-      </p:sp>
-      <p:sp>
-        <p:nvSpPr>
-          <p:cNvPr id="3" name="Text Placeholder 2">
-            <a:extLst>
-              <a:ext uri="{FF2B5EF4-FFF2-40B4-BE49-F238E27FC236}">
-                <a16:creationId xmlns:a16="http://schemas.microsoft.com/office/drawing/2014/main" id="{0F24BE2D-0315-4B55-FF12-E60DAD0A8F27}"/>
-              </a:ext>
-            </a:extLst>
-          </p:cNvPr>
-          <p:cNvSpPr>
-            <a:spLocks noGrp="1"/>
-          </p:cNvSpPr>
-          <p:nvPr>
-            <p:ph type="body" sz="quarter" idx="10"/>
-          </p:nvPr>
-        </p:nvSpPr>
-        <p:spPr/>
-        <p:txBody>
-          <a:bodyPr/>
-          <a:lstStyle/>
-          <a:p>
-            <a:r>
-              <a:rPr lang="es-ES" dirty="0"/>
-              <a:t>1</a:t>
             </a:r>
             <a:endParaRPr lang="en-GB" dirty="0"/>
           </a:p>
@@ -25292,12 +25936,105 @@
           </a:p>
         </p:txBody>
       </p:sp>
+      <p:sp>
+        <p:nvSpPr>
+          <p:cNvPr id="9" name="TextBox 8">
+            <a:extLst>
+              <a:ext uri="{FF2B5EF4-FFF2-40B4-BE49-F238E27FC236}">
+                <a16:creationId xmlns:a16="http://schemas.microsoft.com/office/drawing/2014/main" id="{344CB1DC-0B8D-ABBD-16E4-6FFE28942DD6}"/>
+              </a:ext>
+            </a:extLst>
+          </p:cNvPr>
+          <p:cNvSpPr txBox="1"/>
+          <p:nvPr/>
+        </p:nvSpPr>
+        <p:spPr>
+          <a:xfrm>
+            <a:off x="7713522" y="2074750"/>
+            <a:ext cx="3354116" cy="3970318"/>
+          </a:xfrm>
+          <a:prstGeom prst="rect">
+            <a:avLst/>
+          </a:prstGeom>
+          <a:noFill/>
+        </p:spPr>
+        <p:txBody>
+          <a:bodyPr wrap="square" rtlCol="0">
+            <a:spAutoFit/>
+          </a:bodyPr>
+          <a:lstStyle/>
+          <a:p>
+            <a:pPr marL="285750" indent="-285750" algn="just">
+              <a:buFont typeface="Arial" panose="020B0604020202020204" pitchFamily="34" charset="0"/>
+              <a:buChar char="•"/>
+            </a:pPr>
+            <a:r>
+              <a:rPr lang="es-ES" dirty="0">
+                <a:solidFill>
+                  <a:schemeClr val="bg1">
+                    <a:lumMod val="95000"/>
+                  </a:schemeClr>
+                </a:solidFill>
+              </a:rPr>
+              <a:t>Hay 3 departamentos principales.  El 95% trabaja en investigación o en ventas. </a:t>
+            </a:r>
+          </a:p>
+          <a:p>
+            <a:pPr marL="285750" indent="-285750" algn="just">
+              <a:buFont typeface="Arial" panose="020B0604020202020204" pitchFamily="34" charset="0"/>
+              <a:buChar char="•"/>
+            </a:pPr>
+            <a:r>
+              <a:rPr lang="es-ES" dirty="0">
+                <a:solidFill>
+                  <a:schemeClr val="bg1">
+                    <a:lumMod val="95000"/>
+                  </a:schemeClr>
+                </a:solidFill>
+              </a:rPr>
+              <a:t>Mas del 70% de la empresa ha estudiado biología o medicina.</a:t>
+            </a:r>
+          </a:p>
+          <a:p>
+            <a:pPr marL="285750" indent="-285750" algn="just">
+              <a:buFont typeface="Arial" panose="020B0604020202020204" pitchFamily="34" charset="0"/>
+              <a:buChar char="•"/>
+            </a:pPr>
+            <a:r>
+              <a:rPr lang="es-ES" dirty="0">
+                <a:solidFill>
+                  <a:schemeClr val="bg1">
+                    <a:lumMod val="95000"/>
+                  </a:schemeClr>
+                </a:solidFill>
+              </a:rPr>
+              <a:t>El 32% de los empleados están solteros, el 22% divorciados y el 46% casados. </a:t>
+            </a:r>
+          </a:p>
+          <a:p>
+            <a:pPr marL="285750" indent="-285750" algn="just">
+              <a:buFont typeface="Arial" panose="020B0604020202020204" pitchFamily="34" charset="0"/>
+              <a:buChar char="•"/>
+            </a:pPr>
+            <a:r>
+              <a:rPr lang="es-ES" dirty="0">
+                <a:solidFill>
+                  <a:schemeClr val="bg1">
+                    <a:lumMod val="95000"/>
+                  </a:schemeClr>
+                </a:solidFill>
+              </a:rPr>
+              <a:t>El 60% de los empleados son hombres y el 40% restante mujeres.</a:t>
+            </a:r>
+          </a:p>
+        </p:txBody>
+      </p:sp>
       <p:pic>
         <p:nvPicPr>
-          <p:cNvPr id="23" name="Picture 22">
-            <a:extLst>
-              <a:ext uri="{FF2B5EF4-FFF2-40B4-BE49-F238E27FC236}">
-                <a16:creationId xmlns:a16="http://schemas.microsoft.com/office/drawing/2014/main" id="{48AAF6F7-83FB-460E-DAD5-45782640F778}"/>
+          <p:cNvPr id="14" name="Picture 13">
+            <a:extLst>
+              <a:ext uri="{FF2B5EF4-FFF2-40B4-BE49-F238E27FC236}">
+                <a16:creationId xmlns:a16="http://schemas.microsoft.com/office/drawing/2014/main" id="{B4286757-1230-D633-56F5-AB8A89E072FB}"/>
               </a:ext>
             </a:extLst>
           </p:cNvPr>
@@ -25306,16 +26043,15 @@
           </p:cNvPicPr>
           <p:nvPr/>
         </p:nvPicPr>
-        <p:blipFill>
+        <p:blipFill rotWithShape="1">
           <a:blip r:embed="rId2"/>
-          <a:stretch>
-            <a:fillRect/>
-          </a:stretch>
+          <a:srcRect b="3071"/>
+          <a:stretch/>
         </p:blipFill>
         <p:spPr>
           <a:xfrm>
-            <a:off x="1573280" y="2132388"/>
-            <a:ext cx="7442878" cy="4474381"/>
+            <a:off x="992414" y="2132389"/>
+            <a:ext cx="6457822" cy="4307386"/>
           </a:xfrm>
           <a:prstGeom prst="rect">
             <a:avLst/>
@@ -25385,35 +26121,6 @@
       </p:sp>
       <p:sp>
         <p:nvSpPr>
-          <p:cNvPr id="3" name="Text Placeholder 2">
-            <a:extLst>
-              <a:ext uri="{FF2B5EF4-FFF2-40B4-BE49-F238E27FC236}">
-                <a16:creationId xmlns:a16="http://schemas.microsoft.com/office/drawing/2014/main" id="{0F24BE2D-0315-4B55-FF12-E60DAD0A8F27}"/>
-              </a:ext>
-            </a:extLst>
-          </p:cNvPr>
-          <p:cNvSpPr>
-            <a:spLocks noGrp="1"/>
-          </p:cNvSpPr>
-          <p:nvPr>
-            <p:ph type="body" sz="quarter" idx="10"/>
-          </p:nvPr>
-        </p:nvSpPr>
-        <p:spPr/>
-        <p:txBody>
-          <a:bodyPr/>
-          <a:lstStyle/>
-          <a:p>
-            <a:r>
-              <a:rPr lang="es-ES" dirty="0"/>
-              <a:t>1</a:t>
-            </a:r>
-            <a:endParaRPr lang="en-GB" dirty="0"/>
-          </a:p>
-        </p:txBody>
-      </p:sp>
-      <p:sp>
-        <p:nvSpPr>
           <p:cNvPr id="4" name="TextBox 3">
             <a:extLst>
               <a:ext uri="{FF2B5EF4-FFF2-40B4-BE49-F238E27FC236}">
@@ -25454,6 +26161,60 @@
           </a:p>
         </p:txBody>
       </p:sp>
+      <p:sp>
+        <p:nvSpPr>
+          <p:cNvPr id="9" name="Rectangle 8">
+            <a:extLst>
+              <a:ext uri="{FF2B5EF4-FFF2-40B4-BE49-F238E27FC236}">
+                <a16:creationId xmlns:a16="http://schemas.microsoft.com/office/drawing/2014/main" id="{7F9377C0-F613-5D9E-E214-8BAC4D703CDE}"/>
+              </a:ext>
+            </a:extLst>
+          </p:cNvPr>
+          <p:cNvSpPr/>
+          <p:nvPr/>
+        </p:nvSpPr>
+        <p:spPr>
+          <a:xfrm>
+            <a:off x="940839" y="2132388"/>
+            <a:ext cx="6560973" cy="4307387"/>
+          </a:xfrm>
+          <a:prstGeom prst="rect">
+            <a:avLst/>
+          </a:prstGeom>
+          <a:solidFill>
+            <a:schemeClr val="bg1"/>
+          </a:solidFill>
+          <a:ln>
+            <a:solidFill>
+              <a:schemeClr val="bg1"/>
+            </a:solidFill>
+          </a:ln>
+        </p:spPr>
+        <p:style>
+          <a:lnRef idx="2">
+            <a:schemeClr val="accent1">
+              <a:shade val="15000"/>
+            </a:schemeClr>
+          </a:lnRef>
+          <a:fillRef idx="1">
+            <a:schemeClr val="accent1"/>
+          </a:fillRef>
+          <a:effectRef idx="0">
+            <a:schemeClr val="accent1"/>
+          </a:effectRef>
+          <a:fontRef idx="minor">
+            <a:schemeClr val="lt1"/>
+          </a:fontRef>
+        </p:style>
+        <p:txBody>
+          <a:bodyPr rtlCol="0" anchor="ctr"/>
+          <a:lstStyle/>
+          <a:p>
+            <a:pPr algn="ctr"/>
+            <a:endParaRPr lang="en-GB" dirty="0"/>
+          </a:p>
+        </p:txBody>
+      </p:sp>
       <p:pic>
         <p:nvPicPr>
           <p:cNvPr id="5" name="Picture 4">
@@ -25468,22 +26229,114 @@
           </p:cNvPicPr>
           <p:nvPr/>
         </p:nvPicPr>
-        <p:blipFill>
+        <p:blipFill rotWithShape="1">
           <a:blip r:embed="rId2"/>
-          <a:stretch>
-            <a:fillRect/>
-          </a:stretch>
+          <a:srcRect b="4720"/>
+          <a:stretch/>
         </p:blipFill>
         <p:spPr>
           <a:xfrm>
-            <a:off x="2459194" y="2040683"/>
-            <a:ext cx="5658646" cy="4576514"/>
+            <a:off x="1390261" y="2132389"/>
+            <a:ext cx="5673012" cy="4252510"/>
           </a:xfrm>
           <a:prstGeom prst="rect">
             <a:avLst/>
           </a:prstGeom>
         </p:spPr>
       </p:pic>
+      <p:sp>
+        <p:nvSpPr>
+          <p:cNvPr id="13" name="TextBox 12">
+            <a:extLst>
+              <a:ext uri="{FF2B5EF4-FFF2-40B4-BE49-F238E27FC236}">
+                <a16:creationId xmlns:a16="http://schemas.microsoft.com/office/drawing/2014/main" id="{2BC4F362-E107-0DB0-A609-24FAF05CF2FC}"/>
+              </a:ext>
+            </a:extLst>
+          </p:cNvPr>
+          <p:cNvSpPr txBox="1"/>
+          <p:nvPr/>
+        </p:nvSpPr>
+        <p:spPr>
+          <a:xfrm>
+            <a:off x="7713522" y="2074750"/>
+            <a:ext cx="3354116" cy="4524315"/>
+          </a:xfrm>
+          <a:prstGeom prst="rect">
+            <a:avLst/>
+          </a:prstGeom>
+          <a:noFill/>
+        </p:spPr>
+        <p:txBody>
+          <a:bodyPr wrap="square" rtlCol="0">
+            <a:spAutoFit/>
+          </a:bodyPr>
+          <a:lstStyle/>
+          <a:p>
+            <a:pPr marL="285750" indent="-285750" algn="just">
+              <a:buFont typeface="Arial" panose="020B0604020202020204" pitchFamily="34" charset="0"/>
+              <a:buChar char="•"/>
+            </a:pPr>
+            <a:r>
+              <a:rPr lang="es-ES" dirty="0">
+                <a:solidFill>
+                  <a:schemeClr val="bg1">
+                    <a:lumMod val="95000"/>
+                  </a:schemeClr>
+                </a:solidFill>
+              </a:rPr>
+              <a:t>El 69% de los empleados tiene formación universitaria y alrededor del 30% tiene un título superior al grado.</a:t>
+            </a:r>
+          </a:p>
+          <a:p>
+            <a:pPr marL="285750" indent="-285750" algn="just">
+              <a:buFont typeface="Arial" panose="020B0604020202020204" pitchFamily="34" charset="0"/>
+              <a:buChar char="•"/>
+            </a:pPr>
+            <a:r>
+              <a:rPr lang="es-ES" dirty="0">
+                <a:solidFill>
+                  <a:schemeClr val="bg1">
+                    <a:lumMod val="95000"/>
+                  </a:schemeClr>
+                </a:solidFill>
+              </a:rPr>
+              <a:t>Todos los empleados tienen un desempeño es excelente o excepcional. </a:t>
+            </a:r>
+          </a:p>
+          <a:p>
+            <a:pPr marL="285750" indent="-285750" algn="just">
+              <a:buFont typeface="Arial" panose="020B0604020202020204" pitchFamily="34" charset="0"/>
+              <a:buChar char="•"/>
+            </a:pPr>
+            <a:r>
+              <a:rPr lang="es-ES" dirty="0">
+                <a:solidFill>
+                  <a:schemeClr val="bg1">
+                    <a:lumMod val="95000"/>
+                  </a:schemeClr>
+                </a:solidFill>
+              </a:rPr>
+              <a:t>El 60% de los empleados tiene una satisfacción alta o muy alta con sus relaciones personales. </a:t>
+            </a:r>
+          </a:p>
+          <a:p>
+            <a:pPr marL="285750" indent="-285750" algn="just">
+              <a:buFont typeface="Arial" panose="020B0604020202020204" pitchFamily="34" charset="0"/>
+              <a:buChar char="•"/>
+            </a:pPr>
+            <a:r>
+              <a:rPr lang="es-ES" dirty="0">
+                <a:solidFill>
+                  <a:schemeClr val="bg1">
+                    <a:lumMod val="95000"/>
+                  </a:schemeClr>
+                </a:solidFill>
+              </a:rPr>
+              <a:t>El 95% de los trabajadores considera que el equilibrio entre su vida personal y profesional es bueno o muy bueno. </a:t>
+            </a:r>
+          </a:p>
+        </p:txBody>
+      </p:sp>
     </p:spTree>
     <p:extLst>
       <p:ext uri="{BB962C8B-B14F-4D97-AF65-F5344CB8AC3E}">
@@ -25547,35 +26400,6 @@
       </p:sp>
       <p:sp>
         <p:nvSpPr>
-          <p:cNvPr id="3" name="Text Placeholder 2">
-            <a:extLst>
-              <a:ext uri="{FF2B5EF4-FFF2-40B4-BE49-F238E27FC236}">
-                <a16:creationId xmlns:a16="http://schemas.microsoft.com/office/drawing/2014/main" id="{0F24BE2D-0315-4B55-FF12-E60DAD0A8F27}"/>
-              </a:ext>
-            </a:extLst>
-          </p:cNvPr>
-          <p:cNvSpPr>
-            <a:spLocks noGrp="1"/>
-          </p:cNvSpPr>
-          <p:nvPr>
-            <p:ph type="body" sz="quarter" idx="10"/>
-          </p:nvPr>
-        </p:nvSpPr>
-        <p:spPr/>
-        <p:txBody>
-          <a:bodyPr/>
-          <a:lstStyle/>
-          <a:p>
-            <a:r>
-              <a:rPr lang="es-ES" dirty="0"/>
-              <a:t>1</a:t>
-            </a:r>
-            <a:endParaRPr lang="en-GB" dirty="0"/>
-          </a:p>
-        </p:txBody>
-      </p:sp>
-      <p:sp>
-        <p:nvSpPr>
           <p:cNvPr id="4" name="TextBox 3">
             <a:extLst>
               <a:ext uri="{FF2B5EF4-FFF2-40B4-BE49-F238E27FC236}">
@@ -25626,66 +26450,12 @@
           </a:p>
         </p:txBody>
       </p:sp>
-      <p:sp>
-        <p:nvSpPr>
-          <p:cNvPr id="12" name="Rectangle 11">
-            <a:extLst>
-              <a:ext uri="{FF2B5EF4-FFF2-40B4-BE49-F238E27FC236}">
-                <a16:creationId xmlns:a16="http://schemas.microsoft.com/office/drawing/2014/main" id="{9DB96130-877E-135A-9BCF-0E6E7759CC95}"/>
-              </a:ext>
-            </a:extLst>
-          </p:cNvPr>
-          <p:cNvSpPr/>
-          <p:nvPr/>
-        </p:nvSpPr>
-        <p:spPr>
-          <a:xfrm>
-            <a:off x="2099093" y="2139992"/>
-            <a:ext cx="6506427" cy="4454484"/>
-          </a:xfrm>
-          <a:prstGeom prst="rect">
-            <a:avLst/>
-          </a:prstGeom>
-          <a:solidFill>
-            <a:schemeClr val="bg1"/>
-          </a:solidFill>
-          <a:ln>
-            <a:solidFill>
-              <a:schemeClr val="bg1"/>
-            </a:solidFill>
-          </a:ln>
-        </p:spPr>
-        <p:style>
-          <a:lnRef idx="2">
-            <a:schemeClr val="accent1">
-              <a:shade val="15000"/>
-            </a:schemeClr>
-          </a:lnRef>
-          <a:fillRef idx="1">
-            <a:schemeClr val="accent1"/>
-          </a:fillRef>
-          <a:effectRef idx="0">
-            <a:schemeClr val="accent1"/>
-          </a:effectRef>
-          <a:fontRef idx="minor">
-            <a:schemeClr val="lt1"/>
-          </a:fontRef>
-        </p:style>
-        <p:txBody>
-          <a:bodyPr rtlCol="0" anchor="ctr"/>
-          <a:lstStyle/>
-          <a:p>
-            <a:pPr algn="ctr"/>
-            <a:endParaRPr lang="en-GB" dirty="0"/>
-          </a:p>
-        </p:txBody>
-      </p:sp>
       <p:grpSp>
         <p:nvGrpSpPr>
-          <p:cNvPr id="6" name="Group 5">
-            <a:extLst>
-              <a:ext uri="{FF2B5EF4-FFF2-40B4-BE49-F238E27FC236}">
-                <a16:creationId xmlns:a16="http://schemas.microsoft.com/office/drawing/2014/main" id="{83AD0A43-3218-A580-C77D-E7A9554AD2A3}"/>
+          <p:cNvPr id="13" name="Group 12">
+            <a:extLst>
+              <a:ext uri="{FF2B5EF4-FFF2-40B4-BE49-F238E27FC236}">
+                <a16:creationId xmlns:a16="http://schemas.microsoft.com/office/drawing/2014/main" id="{FA276893-86F6-4DF0-0072-F85C156273E6}"/>
               </a:ext>
             </a:extLst>
           </p:cNvPr>
@@ -25694,73 +26464,225 @@
         </p:nvGrpSpPr>
         <p:grpSpPr>
           <a:xfrm>
-            <a:off x="2160055" y="2139992"/>
-            <a:ext cx="6283689" cy="4454484"/>
-            <a:chOff x="849200" y="108627"/>
-            <a:chExt cx="9530668" cy="6736673"/>
+            <a:off x="970091" y="2122368"/>
+            <a:ext cx="6559713" cy="4370507"/>
+            <a:chOff x="970091" y="2122368"/>
+            <a:chExt cx="6559713" cy="4454484"/>
           </a:xfrm>
         </p:grpSpPr>
-        <p:pic>
-          <p:nvPicPr>
-            <p:cNvPr id="7" name="Picture 6">
+        <p:sp>
+          <p:nvSpPr>
+            <p:cNvPr id="12" name="Rectangle 11">
               <a:extLst>
                 <a:ext uri="{FF2B5EF4-FFF2-40B4-BE49-F238E27FC236}">
-                  <a16:creationId xmlns:a16="http://schemas.microsoft.com/office/drawing/2014/main" id="{D36B9CC7-0FB7-5B2B-E469-21B4A661B6EC}"/>
+                  <a16:creationId xmlns:a16="http://schemas.microsoft.com/office/drawing/2014/main" id="{9DB96130-877E-135A-9BCF-0E6E7759CC95}"/>
                 </a:ext>
               </a:extLst>
             </p:cNvPr>
-            <p:cNvPicPr>
-              <a:picLocks noChangeAspect="1"/>
-            </p:cNvPicPr>
+            <p:cNvSpPr/>
             <p:nvPr/>
-          </p:nvPicPr>
-          <p:blipFill>
-            <a:blip r:embed="rId2"/>
-            <a:stretch>
-              <a:fillRect/>
-            </a:stretch>
-          </p:blipFill>
+          </p:nvSpPr>
           <p:spPr>
             <a:xfrm>
-              <a:off x="1812131" y="3392173"/>
-              <a:ext cx="8567737" cy="3453127"/>
+              <a:off x="970091" y="2122368"/>
+              <a:ext cx="6559713" cy="4454484"/>
             </a:xfrm>
             <a:prstGeom prst="rect">
               <a:avLst/>
             </a:prstGeom>
+            <a:solidFill>
+              <a:schemeClr val="bg1"/>
+            </a:solidFill>
+            <a:ln>
+              <a:solidFill>
+                <a:schemeClr val="bg1"/>
+              </a:solidFill>
+            </a:ln>
           </p:spPr>
-        </p:pic>
-        <p:pic>
-          <p:nvPicPr>
-            <p:cNvPr id="8" name="Picture 7">
+          <p:style>
+            <a:lnRef idx="2">
+              <a:schemeClr val="accent1">
+                <a:shade val="15000"/>
+              </a:schemeClr>
+            </a:lnRef>
+            <a:fillRef idx="1">
+              <a:schemeClr val="accent1"/>
+            </a:fillRef>
+            <a:effectRef idx="0">
+              <a:schemeClr val="accent1"/>
+            </a:effectRef>
+            <a:fontRef idx="minor">
+              <a:schemeClr val="lt1"/>
+            </a:fontRef>
+          </p:style>
+          <p:txBody>
+            <a:bodyPr rtlCol="0" anchor="ctr"/>
+            <a:lstStyle/>
+            <a:p>
+              <a:pPr algn="ctr"/>
+              <a:endParaRPr lang="en-GB" dirty="0"/>
+            </a:p>
+          </p:txBody>
+        </p:sp>
+        <p:grpSp>
+          <p:nvGrpSpPr>
+            <p:cNvPr id="6" name="Group 5">
               <a:extLst>
                 <a:ext uri="{FF2B5EF4-FFF2-40B4-BE49-F238E27FC236}">
-                  <a16:creationId xmlns:a16="http://schemas.microsoft.com/office/drawing/2014/main" id="{BACFA864-55B4-D644-8AF7-087EC17A83E0}"/>
+                  <a16:creationId xmlns:a16="http://schemas.microsoft.com/office/drawing/2014/main" id="{83AD0A43-3218-A580-C77D-E7A9554AD2A3}"/>
                 </a:ext>
               </a:extLst>
             </p:cNvPr>
-            <p:cNvPicPr>
-              <a:picLocks noChangeAspect="1"/>
-            </p:cNvPicPr>
+            <p:cNvGrpSpPr/>
             <p:nvPr/>
-          </p:nvPicPr>
-          <p:blipFill>
-            <a:blip r:embed="rId3"/>
-            <a:stretch>
-              <a:fillRect/>
-            </a:stretch>
-          </p:blipFill>
-          <p:spPr>
+          </p:nvGrpSpPr>
+          <p:grpSpPr>
             <a:xfrm>
-              <a:off x="849200" y="108627"/>
-              <a:ext cx="9282921" cy="3283546"/>
+              <a:off x="1124362" y="2122368"/>
+              <a:ext cx="6283689" cy="4454484"/>
+              <a:chOff x="849200" y="108627"/>
+              <a:chExt cx="9530668" cy="6736673"/>
             </a:xfrm>
-            <a:prstGeom prst="rect">
-              <a:avLst/>
-            </a:prstGeom>
-          </p:spPr>
-        </p:pic>
+          </p:grpSpPr>
+          <p:pic>
+            <p:nvPicPr>
+              <p:cNvPr id="7" name="Picture 6">
+                <a:extLst>
+                  <a:ext uri="{FF2B5EF4-FFF2-40B4-BE49-F238E27FC236}">
+                    <a16:creationId xmlns:a16="http://schemas.microsoft.com/office/drawing/2014/main" id="{D36B9CC7-0FB7-5B2B-E469-21B4A661B6EC}"/>
+                  </a:ext>
+                </a:extLst>
+              </p:cNvPr>
+              <p:cNvPicPr>
+                <a:picLocks noChangeAspect="1"/>
+              </p:cNvPicPr>
+              <p:nvPr/>
+            </p:nvPicPr>
+            <p:blipFill>
+              <a:blip r:embed="rId2"/>
+              <a:stretch>
+                <a:fillRect/>
+              </a:stretch>
+            </p:blipFill>
+            <p:spPr>
+              <a:xfrm>
+                <a:off x="1812131" y="3392173"/>
+                <a:ext cx="8567737" cy="3453127"/>
+              </a:xfrm>
+              <a:prstGeom prst="rect">
+                <a:avLst/>
+              </a:prstGeom>
+            </p:spPr>
+          </p:pic>
+          <p:pic>
+            <p:nvPicPr>
+              <p:cNvPr id="8" name="Picture 7">
+                <a:extLst>
+                  <a:ext uri="{FF2B5EF4-FFF2-40B4-BE49-F238E27FC236}">
+                    <a16:creationId xmlns:a16="http://schemas.microsoft.com/office/drawing/2014/main" id="{BACFA864-55B4-D644-8AF7-087EC17A83E0}"/>
+                  </a:ext>
+                </a:extLst>
+              </p:cNvPr>
+              <p:cNvPicPr>
+                <a:picLocks noChangeAspect="1"/>
+              </p:cNvPicPr>
+              <p:nvPr/>
+            </p:nvPicPr>
+            <p:blipFill>
+              <a:blip r:embed="rId3"/>
+              <a:stretch>
+                <a:fillRect/>
+              </a:stretch>
+            </p:blipFill>
+            <p:spPr>
+              <a:xfrm>
+                <a:off x="849200" y="108627"/>
+                <a:ext cx="9282921" cy="3283546"/>
+              </a:xfrm>
+              <a:prstGeom prst="rect">
+                <a:avLst/>
+              </a:prstGeom>
+            </p:spPr>
+          </p:pic>
+        </p:grpSp>
       </p:grpSp>
+      <p:sp>
+        <p:nvSpPr>
+          <p:cNvPr id="11" name="TextBox 10">
+            <a:extLst>
+              <a:ext uri="{FF2B5EF4-FFF2-40B4-BE49-F238E27FC236}">
+                <a16:creationId xmlns:a16="http://schemas.microsoft.com/office/drawing/2014/main" id="{AFF8B086-CEEC-25C1-EE55-10D921035DB0}"/>
+              </a:ext>
+            </a:extLst>
+          </p:cNvPr>
+          <p:cNvSpPr txBox="1"/>
+          <p:nvPr/>
+        </p:nvSpPr>
+        <p:spPr>
+          <a:xfrm>
+            <a:off x="7713522" y="2074750"/>
+            <a:ext cx="3354116" cy="4247317"/>
+          </a:xfrm>
+          <a:prstGeom prst="rect">
+            <a:avLst/>
+          </a:prstGeom>
+          <a:noFill/>
+        </p:spPr>
+        <p:txBody>
+          <a:bodyPr wrap="square" rtlCol="0">
+            <a:spAutoFit/>
+          </a:bodyPr>
+          <a:lstStyle/>
+          <a:p>
+            <a:pPr marL="285750" indent="-285750" algn="just">
+              <a:buFont typeface="Arial" panose="020B0604020202020204" pitchFamily="34" charset="0"/>
+              <a:buChar char="•"/>
+            </a:pPr>
+            <a:r>
+              <a:rPr lang="es-ES" dirty="0">
+                <a:solidFill>
+                  <a:schemeClr val="bg1">
+                    <a:lumMod val="95000"/>
+                  </a:schemeClr>
+                </a:solidFill>
+              </a:rPr>
+              <a:t>La variable ‘Edad’ tiene una distribución Gaussiana (de campana) simétrica .</a:t>
+            </a:r>
+          </a:p>
+          <a:p>
+            <a:pPr marL="285750" indent="-285750" algn="just">
+              <a:buFont typeface="Arial" panose="020B0604020202020204" pitchFamily="34" charset="0"/>
+              <a:buChar char="•"/>
+            </a:pPr>
+            <a:r>
+              <a:rPr lang="es-ES" dirty="0">
+                <a:solidFill>
+                  <a:schemeClr val="bg1">
+                    <a:lumMod val="95000"/>
+                  </a:schemeClr>
+                </a:solidFill>
+              </a:rPr>
+              <a:t>Los años totales trabajados y los años trabajados en la empresa tienen una distribución similar. Ambas tienen asimetría positiva.</a:t>
+            </a:r>
+          </a:p>
+          <a:p>
+            <a:pPr marL="285750" indent="-285750" algn="just">
+              <a:buFont typeface="Arial" panose="020B0604020202020204" pitchFamily="34" charset="0"/>
+              <a:buChar char="•"/>
+            </a:pPr>
+            <a:r>
+              <a:rPr lang="es-ES" dirty="0">
+                <a:solidFill>
+                  <a:schemeClr val="bg1">
+                    <a:lumMod val="95000"/>
+                  </a:schemeClr>
+                </a:solidFill>
+              </a:rPr>
+              <a:t>Los años en el mismo puesto de trabajo y los años desde el último ascenso tienen una distribución similar. Ambas tienen una distribución leptocúrtica y asimetría positiva.</a:t>
+            </a:r>
+          </a:p>
+        </p:txBody>
+      </p:sp>
     </p:spTree>
     <p:extLst>
       <p:ext uri="{BB962C8B-B14F-4D97-AF65-F5344CB8AC3E}">
@@ -25793,6 +26715,60 @@
       </p:grpSpPr>
       <p:sp>
         <p:nvSpPr>
+          <p:cNvPr id="7" name="Rectangle 6">
+            <a:extLst>
+              <a:ext uri="{FF2B5EF4-FFF2-40B4-BE49-F238E27FC236}">
+                <a16:creationId xmlns:a16="http://schemas.microsoft.com/office/drawing/2014/main" id="{1922F11D-E0AA-B384-7011-B9B7B5E200F3}"/>
+              </a:ext>
+            </a:extLst>
+          </p:cNvPr>
+          <p:cNvSpPr/>
+          <p:nvPr/>
+        </p:nvSpPr>
+        <p:spPr>
+          <a:xfrm>
+            <a:off x="970091" y="2122369"/>
+            <a:ext cx="6559713" cy="4370508"/>
+          </a:xfrm>
+          <a:prstGeom prst="rect">
+            <a:avLst/>
+          </a:prstGeom>
+          <a:solidFill>
+            <a:schemeClr val="bg1"/>
+          </a:solidFill>
+          <a:ln>
+            <a:solidFill>
+              <a:schemeClr val="bg1"/>
+            </a:solidFill>
+          </a:ln>
+        </p:spPr>
+        <p:style>
+          <a:lnRef idx="2">
+            <a:schemeClr val="accent1">
+              <a:shade val="15000"/>
+            </a:schemeClr>
+          </a:lnRef>
+          <a:fillRef idx="1">
+            <a:schemeClr val="accent1"/>
+          </a:fillRef>
+          <a:effectRef idx="0">
+            <a:schemeClr val="accent1"/>
+          </a:effectRef>
+          <a:fontRef idx="minor">
+            <a:schemeClr val="lt1"/>
+          </a:fontRef>
+        </p:style>
+        <p:txBody>
+          <a:bodyPr rtlCol="0" anchor="ctr"/>
+          <a:lstStyle/>
+          <a:p>
+            <a:pPr algn="ctr"/>
+            <a:endParaRPr lang="en-GB" dirty="0"/>
+          </a:p>
+        </p:txBody>
+      </p:sp>
+      <p:sp>
+        <p:nvSpPr>
           <p:cNvPr id="2" name="Title 1">
             <a:extLst>
               <a:ext uri="{FF2B5EF4-FFF2-40B4-BE49-F238E27FC236}">
@@ -25817,35 +26793,6 @@
             <a:r>
               <a:rPr lang="es-ES" dirty="0"/>
               <a:t>Análisis Univariante</a:t>
-            </a:r>
-            <a:endParaRPr lang="en-GB" dirty="0"/>
-          </a:p>
-        </p:txBody>
-      </p:sp>
-      <p:sp>
-        <p:nvSpPr>
-          <p:cNvPr id="3" name="Text Placeholder 2">
-            <a:extLst>
-              <a:ext uri="{FF2B5EF4-FFF2-40B4-BE49-F238E27FC236}">
-                <a16:creationId xmlns:a16="http://schemas.microsoft.com/office/drawing/2014/main" id="{0F24BE2D-0315-4B55-FF12-E60DAD0A8F27}"/>
-              </a:ext>
-            </a:extLst>
-          </p:cNvPr>
-          <p:cNvSpPr>
-            <a:spLocks noGrp="1"/>
-          </p:cNvSpPr>
-          <p:nvPr>
-            <p:ph type="body" sz="quarter" idx="10"/>
-          </p:nvPr>
-        </p:nvSpPr>
-        <p:spPr/>
-        <p:txBody>
-          <a:bodyPr/>
-          <a:lstStyle/>
-          <a:p>
-            <a:r>
-              <a:rPr lang="es-ES" dirty="0"/>
-              <a:t>1</a:t>
             </a:r>
             <a:endParaRPr lang="en-GB" dirty="0"/>
           </a:p>
@@ -25925,14 +26872,75 @@
         </p:blipFill>
         <p:spPr>
           <a:xfrm>
-            <a:off x="2498833" y="2166185"/>
-            <a:ext cx="5933440" cy="4326690"/>
+            <a:off x="1227927" y="2122368"/>
+            <a:ext cx="6044039" cy="4370508"/>
           </a:xfrm>
           <a:prstGeom prst="rect">
             <a:avLst/>
           </a:prstGeom>
         </p:spPr>
       </p:pic>
+      <p:sp>
+        <p:nvSpPr>
+          <p:cNvPr id="6" name="TextBox 5">
+            <a:extLst>
+              <a:ext uri="{FF2B5EF4-FFF2-40B4-BE49-F238E27FC236}">
+                <a16:creationId xmlns:a16="http://schemas.microsoft.com/office/drawing/2014/main" id="{AB94C461-C907-E390-CD18-3BC3F87A2A69}"/>
+              </a:ext>
+            </a:extLst>
+          </p:cNvPr>
+          <p:cNvSpPr txBox="1"/>
+          <p:nvPr/>
+        </p:nvSpPr>
+        <p:spPr>
+          <a:xfrm>
+            <a:off x="7713522" y="2074750"/>
+            <a:ext cx="3354116" cy="2862322"/>
+          </a:xfrm>
+          <a:prstGeom prst="rect">
+            <a:avLst/>
+          </a:prstGeom>
+          <a:noFill/>
+        </p:spPr>
+        <p:txBody>
+          <a:bodyPr wrap="square" rtlCol="0">
+            <a:spAutoFit/>
+          </a:bodyPr>
+          <a:lstStyle/>
+          <a:p>
+            <a:pPr marL="285750" indent="-285750" algn="just">
+              <a:buFont typeface="Arial" panose="020B0604020202020204" pitchFamily="34" charset="0"/>
+              <a:buChar char="•"/>
+            </a:pPr>
+            <a:r>
+              <a:rPr lang="es-ES" dirty="0">
+                <a:solidFill>
+                  <a:schemeClr val="bg1">
+                    <a:lumMod val="95000"/>
+                  </a:schemeClr>
+                </a:solidFill>
+              </a:rPr>
+              <a:t>La distribución de la variable objetivo ‘Salario mensual’ tiene una asimetría positiva. </a:t>
+            </a:r>
+          </a:p>
+          <a:p>
+            <a:pPr marL="285750" indent="-285750" algn="just">
+              <a:buFont typeface="Arial" panose="020B0604020202020204" pitchFamily="34" charset="0"/>
+              <a:buChar char="•"/>
+            </a:pPr>
+            <a:r>
+              <a:rPr lang="es-ES" dirty="0">
+                <a:solidFill>
+                  <a:schemeClr val="bg1">
+                    <a:lumMod val="95000"/>
+                  </a:schemeClr>
+                </a:solidFill>
+              </a:rPr>
+              <a:t>Eso significa que unos pocos empleados con un salario alto distorsionan la media. Así, más del 50% de los empleados ganan por debajo de la media.</a:t>
+            </a:r>
+          </a:p>
+        </p:txBody>
+      </p:sp>
     </p:spTree>
     <p:extLst>
       <p:ext uri="{BB962C8B-B14F-4D97-AF65-F5344CB8AC3E}">
@@ -25965,6 +26973,60 @@
       </p:grpSpPr>
       <p:sp>
         <p:nvSpPr>
+          <p:cNvPr id="8" name="Rectangle 7">
+            <a:extLst>
+              <a:ext uri="{FF2B5EF4-FFF2-40B4-BE49-F238E27FC236}">
+                <a16:creationId xmlns:a16="http://schemas.microsoft.com/office/drawing/2014/main" id="{DDDCEAFE-CA56-D8A6-74AB-1E3000DE5CE9}"/>
+              </a:ext>
+            </a:extLst>
+          </p:cNvPr>
+          <p:cNvSpPr/>
+          <p:nvPr/>
+        </p:nvSpPr>
+        <p:spPr>
+          <a:xfrm>
+            <a:off x="970091" y="2122368"/>
+            <a:ext cx="6559713" cy="4454484"/>
+          </a:xfrm>
+          <a:prstGeom prst="rect">
+            <a:avLst/>
+          </a:prstGeom>
+          <a:solidFill>
+            <a:schemeClr val="bg1"/>
+          </a:solidFill>
+          <a:ln>
+            <a:solidFill>
+              <a:schemeClr val="bg1"/>
+            </a:solidFill>
+          </a:ln>
+        </p:spPr>
+        <p:style>
+          <a:lnRef idx="2">
+            <a:schemeClr val="accent1">
+              <a:shade val="15000"/>
+            </a:schemeClr>
+          </a:lnRef>
+          <a:fillRef idx="1">
+            <a:schemeClr val="accent1"/>
+          </a:fillRef>
+          <a:effectRef idx="0">
+            <a:schemeClr val="accent1"/>
+          </a:effectRef>
+          <a:fontRef idx="minor">
+            <a:schemeClr val="lt1"/>
+          </a:fontRef>
+        </p:style>
+        <p:txBody>
+          <a:bodyPr rtlCol="0" anchor="ctr"/>
+          <a:lstStyle/>
+          <a:p>
+            <a:pPr algn="ctr"/>
+            <a:endParaRPr lang="en-GB" dirty="0"/>
+          </a:p>
+        </p:txBody>
+      </p:sp>
+      <p:sp>
+        <p:nvSpPr>
           <p:cNvPr id="2" name="Title 1">
             <a:extLst>
               <a:ext uri="{FF2B5EF4-FFF2-40B4-BE49-F238E27FC236}">
@@ -25987,35 +27049,6 @@
             <a:r>
               <a:rPr lang="es-ES" dirty="0"/>
               <a:t>Análisis Bivariante</a:t>
-            </a:r>
-            <a:endParaRPr lang="en-GB" dirty="0"/>
-          </a:p>
-        </p:txBody>
-      </p:sp>
-      <p:sp>
-        <p:nvSpPr>
-          <p:cNvPr id="3" name="Text Placeholder 2">
-            <a:extLst>
-              <a:ext uri="{FF2B5EF4-FFF2-40B4-BE49-F238E27FC236}">
-                <a16:creationId xmlns:a16="http://schemas.microsoft.com/office/drawing/2014/main" id="{D0C03A75-8B21-72BA-2445-C4BF8E3B71EC}"/>
-              </a:ext>
-            </a:extLst>
-          </p:cNvPr>
-          <p:cNvSpPr>
-            <a:spLocks noGrp="1"/>
-          </p:cNvSpPr>
-          <p:nvPr>
-            <p:ph type="body" sz="quarter" idx="10"/>
-          </p:nvPr>
-        </p:nvSpPr>
-        <p:spPr/>
-        <p:txBody>
-          <a:bodyPr/>
-          <a:lstStyle/>
-          <a:p>
-            <a:r>
-              <a:rPr lang="es-ES" dirty="0"/>
-              <a:t>2</a:t>
             </a:r>
             <a:endParaRPr lang="en-GB" dirty="0"/>
           </a:p>
@@ -26043,14 +27076,143 @@
         </p:blipFill>
         <p:spPr>
           <a:xfrm>
-            <a:off x="1837014" y="1524635"/>
-            <a:ext cx="6827364" cy="4968240"/>
+            <a:off x="1151945" y="2122368"/>
+            <a:ext cx="6121360" cy="4454484"/>
           </a:xfrm>
           <a:prstGeom prst="rect">
             <a:avLst/>
           </a:prstGeom>
         </p:spPr>
       </p:pic>
+      <p:sp>
+        <p:nvSpPr>
+          <p:cNvPr id="7" name="TextBox 6">
+            <a:extLst>
+              <a:ext uri="{FF2B5EF4-FFF2-40B4-BE49-F238E27FC236}">
+                <a16:creationId xmlns:a16="http://schemas.microsoft.com/office/drawing/2014/main" id="{22797D8F-A6ED-ABA8-47CA-75FB4ECB6699}"/>
+              </a:ext>
+            </a:extLst>
+          </p:cNvPr>
+          <p:cNvSpPr txBox="1"/>
+          <p:nvPr/>
+        </p:nvSpPr>
+        <p:spPr>
+          <a:xfrm>
+            <a:off x="838200" y="1618567"/>
+            <a:ext cx="9254706" cy="707886"/>
+          </a:xfrm>
+          <a:prstGeom prst="rect">
+            <a:avLst/>
+          </a:prstGeom>
+          <a:noFill/>
+        </p:spPr>
+        <p:txBody>
+          <a:bodyPr wrap="square" rtlCol="0">
+            <a:spAutoFit/>
+          </a:bodyPr>
+          <a:lstStyle/>
+          <a:p>
+            <a:pPr algn="just"/>
+            <a:r>
+              <a:rPr lang="es-ES" sz="2000" spc="300" dirty="0">
+                <a:solidFill>
+                  <a:srgbClr val="FFFFFF"/>
+                </a:solidFill>
+                <a:latin typeface="Arial"/>
+                <a:cs typeface="Arial" panose="020B0604020202020204" pitchFamily="34" charset="0"/>
+              </a:rPr>
+              <a:t>CORRELACIÓN ENTRE VARIABLES NUMÉRICAS</a:t>
+            </a:r>
+          </a:p>
+          <a:p>
+            <a:pPr algn="just"/>
+            <a:endParaRPr lang="es-ES" sz="2000" spc="300" dirty="0">
+              <a:solidFill>
+                <a:srgbClr val="FFFFFF"/>
+              </a:solidFill>
+              <a:latin typeface="Arial"/>
+              <a:cs typeface="Arial" panose="020B0604020202020204" pitchFamily="34" charset="0"/>
+            </a:endParaRPr>
+          </a:p>
+        </p:txBody>
+      </p:sp>
+      <p:sp>
+        <p:nvSpPr>
+          <p:cNvPr id="9" name="TextBox 8">
+            <a:extLst>
+              <a:ext uri="{FF2B5EF4-FFF2-40B4-BE49-F238E27FC236}">
+                <a16:creationId xmlns:a16="http://schemas.microsoft.com/office/drawing/2014/main" id="{D0F94955-1453-8B10-73C4-F9C676225D60}"/>
+              </a:ext>
+            </a:extLst>
+          </p:cNvPr>
+          <p:cNvSpPr txBox="1"/>
+          <p:nvPr/>
+        </p:nvSpPr>
+        <p:spPr>
+          <a:xfrm>
+            <a:off x="7713522" y="2074750"/>
+            <a:ext cx="3354116" cy="4524315"/>
+          </a:xfrm>
+          <a:prstGeom prst="rect">
+            <a:avLst/>
+          </a:prstGeom>
+          <a:noFill/>
+        </p:spPr>
+        <p:txBody>
+          <a:bodyPr wrap="square" rtlCol="0">
+            <a:spAutoFit/>
+          </a:bodyPr>
+          <a:lstStyle/>
+          <a:p>
+            <a:pPr marL="285750" indent="-285750" algn="just">
+              <a:buFont typeface="Arial" panose="020B0604020202020204" pitchFamily="34" charset="0"/>
+              <a:buChar char="•"/>
+            </a:pPr>
+            <a:r>
+              <a:rPr lang="es-ES" dirty="0">
+                <a:solidFill>
+                  <a:schemeClr val="bg1">
+                    <a:lumMod val="95000"/>
+                  </a:schemeClr>
+                </a:solidFill>
+              </a:rPr>
+              <a:t>Hay una correlación positiva fuerte (R &gt;0.7) entre la experiencia laboral y el salario mensual.</a:t>
+            </a:r>
+          </a:p>
+          <a:p>
+            <a:pPr marL="285750" indent="-285750" algn="just">
+              <a:buFont typeface="Arial" panose="020B0604020202020204" pitchFamily="34" charset="0"/>
+              <a:buChar char="•"/>
+            </a:pPr>
+            <a:r>
+              <a:rPr lang="es-ES" dirty="0">
+                <a:solidFill>
+                  <a:schemeClr val="bg1">
+                    <a:lumMod val="95000"/>
+                  </a:schemeClr>
+                </a:solidFill>
+              </a:rPr>
+              <a:t>Hay una correlación positiva débil (0.5&lt; R &lt;0.7) entre los años de trabajo dentro de la compañía y el salario mensual.</a:t>
+            </a:r>
+          </a:p>
+          <a:p>
+            <a:pPr marL="285750" indent="-285750" algn="just">
+              <a:buFont typeface="Arial" panose="020B0604020202020204" pitchFamily="34" charset="0"/>
+              <a:buChar char="•"/>
+            </a:pPr>
+            <a:r>
+              <a:rPr lang="es-ES" dirty="0">
+                <a:solidFill>
+                  <a:schemeClr val="bg1">
+                    <a:lumMod val="95000"/>
+                  </a:schemeClr>
+                </a:solidFill>
+              </a:rPr>
+              <a:t>Hay una correlación positiva débil (0.5&lt; R &lt;0.7) entre la edad y el salario mensual. Esta relación se puede deber a la correlación entre edad y la experiencia laboral.</a:t>
+            </a:r>
+          </a:p>
+        </p:txBody>
+      </p:sp>
     </p:spTree>
     <p:extLst>
       <p:ext uri="{BB962C8B-B14F-4D97-AF65-F5344CB8AC3E}">

--- a/Mi sueldo y yo.pptx
+++ b/Mi sueldo y yo.pptx
@@ -17,8 +17,8 @@
     <p:sldId id="2615" r:id="rId5"/>
     <p:sldId id="2593" r:id="rId6"/>
     <p:sldId id="2626" r:id="rId7"/>
-    <p:sldId id="2627" r:id="rId8"/>
-    <p:sldId id="2643" r:id="rId9"/>
+    <p:sldId id="2643" r:id="rId8"/>
+    <p:sldId id="2627" r:id="rId9"/>
     <p:sldId id="2595" r:id="rId10"/>
     <p:sldId id="2642" r:id="rId11"/>
     <p:sldId id="2616" r:id="rId12"/>
@@ -181,7 +181,7 @@
   <pc:docChgLst>
     <pc:chgData name="Rafael Marcos" userId="073fcd4a057fd8c8" providerId="LiveId" clId="{85E3E2ED-7676-4B99-BFE6-6E4C3D55A332}"/>
     <pc:docChg chg="undo redo custSel addSld delSld modSld sldOrd">
-      <pc:chgData name="Rafael Marcos" userId="073fcd4a057fd8c8" providerId="LiveId" clId="{85E3E2ED-7676-4B99-BFE6-6E4C3D55A332}" dt="2024-06-10T16:19:40.641" v="5334" actId="20577"/>
+      <pc:chgData name="Rafael Marcos" userId="073fcd4a057fd8c8" providerId="LiveId" clId="{85E3E2ED-7676-4B99-BFE6-6E4C3D55A332}" dt="2024-06-13T10:13:08.176" v="5336"/>
       <pc:docMkLst>
         <pc:docMk/>
       </pc:docMkLst>
@@ -3050,8 +3050,8 @@
           </ac:picMkLst>
         </pc:picChg>
       </pc:sldChg>
-      <pc:sldChg chg="addSp delSp modSp add mod">
-        <pc:chgData name="Rafael Marcos" userId="073fcd4a057fd8c8" providerId="LiveId" clId="{85E3E2ED-7676-4B99-BFE6-6E4C3D55A332}" dt="2024-06-10T15:51:51.887" v="4641" actId="14100"/>
+      <pc:sldChg chg="addSp delSp modSp add mod ord">
+        <pc:chgData name="Rafael Marcos" userId="073fcd4a057fd8c8" providerId="LiveId" clId="{85E3E2ED-7676-4B99-BFE6-6E4C3D55A332}" dt="2024-06-13T10:13:08.176" v="5336"/>
         <pc:sldMkLst>
           <pc:docMk/>
           <pc:sldMk cId="3011156808" sldId="2643"/>
@@ -3314,7 +3314,7 @@
             <a:pPr rtl="0"/>
             <a:fld id="{1558121A-9C20-492E-90A7-0038EA50E9B3}" type="datetime1">
               <a:rPr lang="en-GB" smtClean="0"/>
-              <a:t>10/06/2024</a:t>
+              <a:t>13/06/2024</a:t>
             </a:fld>
             <a:endParaRPr lang="en-GB"/>
           </a:p>
@@ -3496,7 +3496,7 @@
             <a:pPr rtl="0"/>
             <a:fld id="{98922E8E-612C-4AAE-AA42-7EE0F338E0D7}" type="datetime1">
               <a:rPr lang="en-GB" noProof="0" smtClean="0"/>
-              <a:t>10/06/2024</a:t>
+              <a:t>13/06/2024</a:t>
             </a:fld>
             <a:endParaRPr lang="en-GB" noProof="0"/>
           </a:p>
@@ -26369,6 +26369,264 @@
       </p:grpSpPr>
       <p:sp>
         <p:nvSpPr>
+          <p:cNvPr id="7" name="Rectangle 6">
+            <a:extLst>
+              <a:ext uri="{FF2B5EF4-FFF2-40B4-BE49-F238E27FC236}">
+                <a16:creationId xmlns:a16="http://schemas.microsoft.com/office/drawing/2014/main" id="{1922F11D-E0AA-B384-7011-B9B7B5E200F3}"/>
+              </a:ext>
+            </a:extLst>
+          </p:cNvPr>
+          <p:cNvSpPr/>
+          <p:nvPr/>
+        </p:nvSpPr>
+        <p:spPr>
+          <a:xfrm>
+            <a:off x="970091" y="2122369"/>
+            <a:ext cx="6559713" cy="4370508"/>
+          </a:xfrm>
+          <a:prstGeom prst="rect">
+            <a:avLst/>
+          </a:prstGeom>
+          <a:solidFill>
+            <a:schemeClr val="bg1"/>
+          </a:solidFill>
+          <a:ln>
+            <a:solidFill>
+              <a:schemeClr val="bg1"/>
+            </a:solidFill>
+          </a:ln>
+        </p:spPr>
+        <p:style>
+          <a:lnRef idx="2">
+            <a:schemeClr val="accent1">
+              <a:shade val="15000"/>
+            </a:schemeClr>
+          </a:lnRef>
+          <a:fillRef idx="1">
+            <a:schemeClr val="accent1"/>
+          </a:fillRef>
+          <a:effectRef idx="0">
+            <a:schemeClr val="accent1"/>
+          </a:effectRef>
+          <a:fontRef idx="minor">
+            <a:schemeClr val="lt1"/>
+          </a:fontRef>
+        </p:style>
+        <p:txBody>
+          <a:bodyPr rtlCol="0" anchor="ctr"/>
+          <a:lstStyle/>
+          <a:p>
+            <a:pPr algn="ctr"/>
+            <a:endParaRPr lang="en-GB" dirty="0"/>
+          </a:p>
+        </p:txBody>
+      </p:sp>
+      <p:sp>
+        <p:nvSpPr>
+          <p:cNvPr id="2" name="Title 1">
+            <a:extLst>
+              <a:ext uri="{FF2B5EF4-FFF2-40B4-BE49-F238E27FC236}">
+                <a16:creationId xmlns:a16="http://schemas.microsoft.com/office/drawing/2014/main" id="{A44FE299-873C-1A49-D0F1-E67440BA39AB}"/>
+              </a:ext>
+            </a:extLst>
+          </p:cNvPr>
+          <p:cNvSpPr>
+            <a:spLocks noGrp="1"/>
+          </p:cNvSpPr>
+          <p:nvPr>
+            <p:ph type="title"/>
+          </p:nvPr>
+        </p:nvSpPr>
+        <p:spPr/>
+        <p:txBody>
+          <a:bodyPr>
+            <a:normAutofit/>
+          </a:bodyPr>
+          <a:lstStyle/>
+          <a:p>
+            <a:r>
+              <a:rPr lang="es-ES" dirty="0"/>
+              <a:t>Análisis Univariante</a:t>
+            </a:r>
+            <a:endParaRPr lang="en-GB" dirty="0"/>
+          </a:p>
+        </p:txBody>
+      </p:sp>
+      <p:sp>
+        <p:nvSpPr>
+          <p:cNvPr id="4" name="TextBox 3">
+            <a:extLst>
+              <a:ext uri="{FF2B5EF4-FFF2-40B4-BE49-F238E27FC236}">
+                <a16:creationId xmlns:a16="http://schemas.microsoft.com/office/drawing/2014/main" id="{300A9960-0895-E7B8-4E0C-33DF96D3D5D4}"/>
+              </a:ext>
+            </a:extLst>
+          </p:cNvPr>
+          <p:cNvSpPr txBox="1"/>
+          <p:nvPr/>
+        </p:nvSpPr>
+        <p:spPr>
+          <a:xfrm>
+            <a:off x="838200" y="1618567"/>
+            <a:ext cx="9254706" cy="707886"/>
+          </a:xfrm>
+          <a:prstGeom prst="rect">
+            <a:avLst/>
+          </a:prstGeom>
+          <a:noFill/>
+        </p:spPr>
+        <p:txBody>
+          <a:bodyPr wrap="square" rtlCol="0">
+            <a:spAutoFit/>
+          </a:bodyPr>
+          <a:lstStyle/>
+          <a:p>
+            <a:pPr algn="just"/>
+            <a:r>
+              <a:rPr lang="es-ES" sz="2000" spc="300" dirty="0">
+                <a:solidFill>
+                  <a:srgbClr val="FFFFFF"/>
+                </a:solidFill>
+                <a:latin typeface="Arial"/>
+                <a:cs typeface="Arial" panose="020B0604020202020204" pitchFamily="34" charset="0"/>
+              </a:rPr>
+              <a:t>VARIABLE OBJETIVO: SALARIO MENSUAL</a:t>
+            </a:r>
+          </a:p>
+          <a:p>
+            <a:pPr algn="just"/>
+            <a:endParaRPr lang="es-ES" sz="2000" spc="300" dirty="0">
+              <a:solidFill>
+                <a:srgbClr val="FFFFFF"/>
+              </a:solidFill>
+              <a:latin typeface="Arial"/>
+              <a:cs typeface="Arial" panose="020B0604020202020204" pitchFamily="34" charset="0"/>
+            </a:endParaRPr>
+          </a:p>
+        </p:txBody>
+      </p:sp>
+      <p:pic>
+        <p:nvPicPr>
+          <p:cNvPr id="5" name="Picture 4">
+            <a:extLst>
+              <a:ext uri="{FF2B5EF4-FFF2-40B4-BE49-F238E27FC236}">
+                <a16:creationId xmlns:a16="http://schemas.microsoft.com/office/drawing/2014/main" id="{0271D519-B9A5-587E-E4EA-937C6C5466F2}"/>
+              </a:ext>
+            </a:extLst>
+          </p:cNvPr>
+          <p:cNvPicPr>
+            <a:picLocks noChangeAspect="1"/>
+          </p:cNvPicPr>
+          <p:nvPr/>
+        </p:nvPicPr>
+        <p:blipFill>
+          <a:blip r:embed="rId2"/>
+          <a:stretch>
+            <a:fillRect/>
+          </a:stretch>
+        </p:blipFill>
+        <p:spPr>
+          <a:xfrm>
+            <a:off x="1227927" y="2122368"/>
+            <a:ext cx="6044039" cy="4370508"/>
+          </a:xfrm>
+          <a:prstGeom prst="rect">
+            <a:avLst/>
+          </a:prstGeom>
+        </p:spPr>
+      </p:pic>
+      <p:sp>
+        <p:nvSpPr>
+          <p:cNvPr id="6" name="TextBox 5">
+            <a:extLst>
+              <a:ext uri="{FF2B5EF4-FFF2-40B4-BE49-F238E27FC236}">
+                <a16:creationId xmlns:a16="http://schemas.microsoft.com/office/drawing/2014/main" id="{AB94C461-C907-E390-CD18-3BC3F87A2A69}"/>
+              </a:ext>
+            </a:extLst>
+          </p:cNvPr>
+          <p:cNvSpPr txBox="1"/>
+          <p:nvPr/>
+        </p:nvSpPr>
+        <p:spPr>
+          <a:xfrm>
+            <a:off x="7713522" y="2074750"/>
+            <a:ext cx="3354116" cy="2862322"/>
+          </a:xfrm>
+          <a:prstGeom prst="rect">
+            <a:avLst/>
+          </a:prstGeom>
+          <a:noFill/>
+        </p:spPr>
+        <p:txBody>
+          <a:bodyPr wrap="square" rtlCol="0">
+            <a:spAutoFit/>
+          </a:bodyPr>
+          <a:lstStyle/>
+          <a:p>
+            <a:pPr marL="285750" indent="-285750" algn="just">
+              <a:buFont typeface="Arial" panose="020B0604020202020204" pitchFamily="34" charset="0"/>
+              <a:buChar char="•"/>
+            </a:pPr>
+            <a:r>
+              <a:rPr lang="es-ES" dirty="0">
+                <a:solidFill>
+                  <a:schemeClr val="bg1">
+                    <a:lumMod val="95000"/>
+                  </a:schemeClr>
+                </a:solidFill>
+              </a:rPr>
+              <a:t>La distribución de la variable objetivo ‘Salario mensual’ tiene una asimetría positiva. </a:t>
+            </a:r>
+          </a:p>
+          <a:p>
+            <a:pPr marL="285750" indent="-285750" algn="just">
+              <a:buFont typeface="Arial" panose="020B0604020202020204" pitchFamily="34" charset="0"/>
+              <a:buChar char="•"/>
+            </a:pPr>
+            <a:r>
+              <a:rPr lang="es-ES" dirty="0">
+                <a:solidFill>
+                  <a:schemeClr val="bg1">
+                    <a:lumMod val="95000"/>
+                  </a:schemeClr>
+                </a:solidFill>
+              </a:rPr>
+              <a:t>Eso significa que unos pocos empleados con un salario alto distorsionan la media. Así, más del 50% de los empleados ganan por debajo de la media.</a:t>
+            </a:r>
+          </a:p>
+        </p:txBody>
+      </p:sp>
+    </p:spTree>
+    <p:extLst>
+      <p:ext uri="{BB962C8B-B14F-4D97-AF65-F5344CB8AC3E}">
+        <p14:creationId xmlns:p14="http://schemas.microsoft.com/office/powerpoint/2010/main" val="3011156808"/>
+      </p:ext>
+    </p:extLst>
+  </p:cSld>
+  <p:clrMapOvr>
+    <a:masterClrMapping/>
+  </p:clrMapOvr>
+</p:sld>
+</file>
+
+<file path=ppt/slides/slide8.xml><?xml version="1.0" encoding="utf-8"?>
+<p:sld xmlns:a="http://schemas.openxmlformats.org/drawingml/2006/main" xmlns:r="http://schemas.openxmlformats.org/officeDocument/2006/relationships" xmlns:p="http://schemas.openxmlformats.org/presentationml/2006/main">
+  <p:cSld>
+    <p:spTree>
+      <p:nvGrpSpPr>
+        <p:cNvPr id="1" name=""/>
+        <p:cNvGrpSpPr/>
+        <p:nvPr/>
+      </p:nvGrpSpPr>
+      <p:grpSpPr>
+        <a:xfrm>
+          <a:off x="0" y="0"/>
+          <a:ext cx="0" cy="0"/>
+          <a:chOff x="0" y="0"/>
+          <a:chExt cx="0" cy="0"/>
+        </a:xfrm>
+      </p:grpSpPr>
+      <p:sp>
+        <p:nvSpPr>
           <p:cNvPr id="2" name="Title 1">
             <a:extLst>
               <a:ext uri="{FF2B5EF4-FFF2-40B4-BE49-F238E27FC236}">
@@ -26687,264 +26945,6 @@
     <p:extLst>
       <p:ext uri="{BB962C8B-B14F-4D97-AF65-F5344CB8AC3E}">
         <p14:creationId xmlns:p14="http://schemas.microsoft.com/office/powerpoint/2010/main" val="3512888758"/>
-      </p:ext>
-    </p:extLst>
-  </p:cSld>
-  <p:clrMapOvr>
-    <a:masterClrMapping/>
-  </p:clrMapOvr>
-</p:sld>
-</file>
-
-<file path=ppt/slides/slide8.xml><?xml version="1.0" encoding="utf-8"?>
-<p:sld xmlns:a="http://schemas.openxmlformats.org/drawingml/2006/main" xmlns:r="http://schemas.openxmlformats.org/officeDocument/2006/relationships" xmlns:p="http://schemas.openxmlformats.org/presentationml/2006/main">
-  <p:cSld>
-    <p:spTree>
-      <p:nvGrpSpPr>
-        <p:cNvPr id="1" name=""/>
-        <p:cNvGrpSpPr/>
-        <p:nvPr/>
-      </p:nvGrpSpPr>
-      <p:grpSpPr>
-        <a:xfrm>
-          <a:off x="0" y="0"/>
-          <a:ext cx="0" cy="0"/>
-          <a:chOff x="0" y="0"/>
-          <a:chExt cx="0" cy="0"/>
-        </a:xfrm>
-      </p:grpSpPr>
-      <p:sp>
-        <p:nvSpPr>
-          <p:cNvPr id="7" name="Rectangle 6">
-            <a:extLst>
-              <a:ext uri="{FF2B5EF4-FFF2-40B4-BE49-F238E27FC236}">
-                <a16:creationId xmlns:a16="http://schemas.microsoft.com/office/drawing/2014/main" id="{1922F11D-E0AA-B384-7011-B9B7B5E200F3}"/>
-              </a:ext>
-            </a:extLst>
-          </p:cNvPr>
-          <p:cNvSpPr/>
-          <p:nvPr/>
-        </p:nvSpPr>
-        <p:spPr>
-          <a:xfrm>
-            <a:off x="970091" y="2122369"/>
-            <a:ext cx="6559713" cy="4370508"/>
-          </a:xfrm>
-          <a:prstGeom prst="rect">
-            <a:avLst/>
-          </a:prstGeom>
-          <a:solidFill>
-            <a:schemeClr val="bg1"/>
-          </a:solidFill>
-          <a:ln>
-            <a:solidFill>
-              <a:schemeClr val="bg1"/>
-            </a:solidFill>
-          </a:ln>
-        </p:spPr>
-        <p:style>
-          <a:lnRef idx="2">
-            <a:schemeClr val="accent1">
-              <a:shade val="15000"/>
-            </a:schemeClr>
-          </a:lnRef>
-          <a:fillRef idx="1">
-            <a:schemeClr val="accent1"/>
-          </a:fillRef>
-          <a:effectRef idx="0">
-            <a:schemeClr val="accent1"/>
-          </a:effectRef>
-          <a:fontRef idx="minor">
-            <a:schemeClr val="lt1"/>
-          </a:fontRef>
-        </p:style>
-        <p:txBody>
-          <a:bodyPr rtlCol="0" anchor="ctr"/>
-          <a:lstStyle/>
-          <a:p>
-            <a:pPr algn="ctr"/>
-            <a:endParaRPr lang="en-GB" dirty="0"/>
-          </a:p>
-        </p:txBody>
-      </p:sp>
-      <p:sp>
-        <p:nvSpPr>
-          <p:cNvPr id="2" name="Title 1">
-            <a:extLst>
-              <a:ext uri="{FF2B5EF4-FFF2-40B4-BE49-F238E27FC236}">
-                <a16:creationId xmlns:a16="http://schemas.microsoft.com/office/drawing/2014/main" id="{A44FE299-873C-1A49-D0F1-E67440BA39AB}"/>
-              </a:ext>
-            </a:extLst>
-          </p:cNvPr>
-          <p:cNvSpPr>
-            <a:spLocks noGrp="1"/>
-          </p:cNvSpPr>
-          <p:nvPr>
-            <p:ph type="title"/>
-          </p:nvPr>
-        </p:nvSpPr>
-        <p:spPr/>
-        <p:txBody>
-          <a:bodyPr>
-            <a:normAutofit/>
-          </a:bodyPr>
-          <a:lstStyle/>
-          <a:p>
-            <a:r>
-              <a:rPr lang="es-ES" dirty="0"/>
-              <a:t>Análisis Univariante</a:t>
-            </a:r>
-            <a:endParaRPr lang="en-GB" dirty="0"/>
-          </a:p>
-        </p:txBody>
-      </p:sp>
-      <p:sp>
-        <p:nvSpPr>
-          <p:cNvPr id="4" name="TextBox 3">
-            <a:extLst>
-              <a:ext uri="{FF2B5EF4-FFF2-40B4-BE49-F238E27FC236}">
-                <a16:creationId xmlns:a16="http://schemas.microsoft.com/office/drawing/2014/main" id="{300A9960-0895-E7B8-4E0C-33DF96D3D5D4}"/>
-              </a:ext>
-            </a:extLst>
-          </p:cNvPr>
-          <p:cNvSpPr txBox="1"/>
-          <p:nvPr/>
-        </p:nvSpPr>
-        <p:spPr>
-          <a:xfrm>
-            <a:off x="838200" y="1618567"/>
-            <a:ext cx="9254706" cy="707886"/>
-          </a:xfrm>
-          <a:prstGeom prst="rect">
-            <a:avLst/>
-          </a:prstGeom>
-          <a:noFill/>
-        </p:spPr>
-        <p:txBody>
-          <a:bodyPr wrap="square" rtlCol="0">
-            <a:spAutoFit/>
-          </a:bodyPr>
-          <a:lstStyle/>
-          <a:p>
-            <a:pPr algn="just"/>
-            <a:r>
-              <a:rPr lang="es-ES" sz="2000" spc="300" dirty="0">
-                <a:solidFill>
-                  <a:srgbClr val="FFFFFF"/>
-                </a:solidFill>
-                <a:latin typeface="Arial"/>
-                <a:cs typeface="Arial" panose="020B0604020202020204" pitchFamily="34" charset="0"/>
-              </a:rPr>
-              <a:t>VARIABLE OBJETIVO: SALARIO MENSUAL</a:t>
-            </a:r>
-          </a:p>
-          <a:p>
-            <a:pPr algn="just"/>
-            <a:endParaRPr lang="es-ES" sz="2000" spc="300" dirty="0">
-              <a:solidFill>
-                <a:srgbClr val="FFFFFF"/>
-              </a:solidFill>
-              <a:latin typeface="Arial"/>
-              <a:cs typeface="Arial" panose="020B0604020202020204" pitchFamily="34" charset="0"/>
-            </a:endParaRPr>
-          </a:p>
-        </p:txBody>
-      </p:sp>
-      <p:pic>
-        <p:nvPicPr>
-          <p:cNvPr id="5" name="Picture 4">
-            <a:extLst>
-              <a:ext uri="{FF2B5EF4-FFF2-40B4-BE49-F238E27FC236}">
-                <a16:creationId xmlns:a16="http://schemas.microsoft.com/office/drawing/2014/main" id="{0271D519-B9A5-587E-E4EA-937C6C5466F2}"/>
-              </a:ext>
-            </a:extLst>
-          </p:cNvPr>
-          <p:cNvPicPr>
-            <a:picLocks noChangeAspect="1"/>
-          </p:cNvPicPr>
-          <p:nvPr/>
-        </p:nvPicPr>
-        <p:blipFill>
-          <a:blip r:embed="rId2"/>
-          <a:stretch>
-            <a:fillRect/>
-          </a:stretch>
-        </p:blipFill>
-        <p:spPr>
-          <a:xfrm>
-            <a:off x="1227927" y="2122368"/>
-            <a:ext cx="6044039" cy="4370508"/>
-          </a:xfrm>
-          <a:prstGeom prst="rect">
-            <a:avLst/>
-          </a:prstGeom>
-        </p:spPr>
-      </p:pic>
-      <p:sp>
-        <p:nvSpPr>
-          <p:cNvPr id="6" name="TextBox 5">
-            <a:extLst>
-              <a:ext uri="{FF2B5EF4-FFF2-40B4-BE49-F238E27FC236}">
-                <a16:creationId xmlns:a16="http://schemas.microsoft.com/office/drawing/2014/main" id="{AB94C461-C907-E390-CD18-3BC3F87A2A69}"/>
-              </a:ext>
-            </a:extLst>
-          </p:cNvPr>
-          <p:cNvSpPr txBox="1"/>
-          <p:nvPr/>
-        </p:nvSpPr>
-        <p:spPr>
-          <a:xfrm>
-            <a:off x="7713522" y="2074750"/>
-            <a:ext cx="3354116" cy="2862322"/>
-          </a:xfrm>
-          <a:prstGeom prst="rect">
-            <a:avLst/>
-          </a:prstGeom>
-          <a:noFill/>
-        </p:spPr>
-        <p:txBody>
-          <a:bodyPr wrap="square" rtlCol="0">
-            <a:spAutoFit/>
-          </a:bodyPr>
-          <a:lstStyle/>
-          <a:p>
-            <a:pPr marL="285750" indent="-285750" algn="just">
-              <a:buFont typeface="Arial" panose="020B0604020202020204" pitchFamily="34" charset="0"/>
-              <a:buChar char="•"/>
-            </a:pPr>
-            <a:r>
-              <a:rPr lang="es-ES" dirty="0">
-                <a:solidFill>
-                  <a:schemeClr val="bg1">
-                    <a:lumMod val="95000"/>
-                  </a:schemeClr>
-                </a:solidFill>
-              </a:rPr>
-              <a:t>La distribución de la variable objetivo ‘Salario mensual’ tiene una asimetría positiva. </a:t>
-            </a:r>
-          </a:p>
-          <a:p>
-            <a:pPr marL="285750" indent="-285750" algn="just">
-              <a:buFont typeface="Arial" panose="020B0604020202020204" pitchFamily="34" charset="0"/>
-              <a:buChar char="•"/>
-            </a:pPr>
-            <a:r>
-              <a:rPr lang="es-ES" dirty="0">
-                <a:solidFill>
-                  <a:schemeClr val="bg1">
-                    <a:lumMod val="95000"/>
-                  </a:schemeClr>
-                </a:solidFill>
-              </a:rPr>
-              <a:t>Eso significa que unos pocos empleados con un salario alto distorsionan la media. Así, más del 50% de los empleados ganan por debajo de la media.</a:t>
-            </a:r>
-          </a:p>
-        </p:txBody>
-      </p:sp>
-    </p:spTree>
-    <p:extLst>
-      <p:ext uri="{BB962C8B-B14F-4D97-AF65-F5344CB8AC3E}">
-        <p14:creationId xmlns:p14="http://schemas.microsoft.com/office/powerpoint/2010/main" val="3011156808"/>
       </p:ext>
     </p:extLst>
   </p:cSld>

--- a/Mi sueldo y yo.pptx
+++ b/Mi sueldo y yo.pptx
@@ -17,8 +17,8 @@
     <p:sldId id="2615" r:id="rId5"/>
     <p:sldId id="2593" r:id="rId6"/>
     <p:sldId id="2626" r:id="rId7"/>
-    <p:sldId id="2643" r:id="rId8"/>
-    <p:sldId id="2627" r:id="rId9"/>
+    <p:sldId id="2627" r:id="rId8"/>
+    <p:sldId id="2643" r:id="rId9"/>
     <p:sldId id="2595" r:id="rId10"/>
     <p:sldId id="2642" r:id="rId11"/>
     <p:sldId id="2616" r:id="rId12"/>
@@ -181,7 +181,7 @@
   <pc:docChgLst>
     <pc:chgData name="Rafael Marcos" userId="073fcd4a057fd8c8" providerId="LiveId" clId="{85E3E2ED-7676-4B99-BFE6-6E4C3D55A332}"/>
     <pc:docChg chg="undo redo custSel addSld delSld modSld sldOrd">
-      <pc:chgData name="Rafael Marcos" userId="073fcd4a057fd8c8" providerId="LiveId" clId="{85E3E2ED-7676-4B99-BFE6-6E4C3D55A332}" dt="2024-06-13T10:13:08.176" v="5336"/>
+      <pc:chgData name="Rafael Marcos" userId="073fcd4a057fd8c8" providerId="LiveId" clId="{85E3E2ED-7676-4B99-BFE6-6E4C3D55A332}" dt="2024-06-13T10:15:56.767" v="5338"/>
       <pc:docMkLst>
         <pc:docMk/>
       </pc:docMkLst>
@@ -3051,7 +3051,7 @@
         </pc:picChg>
       </pc:sldChg>
       <pc:sldChg chg="addSp delSp modSp add mod ord">
-        <pc:chgData name="Rafael Marcos" userId="073fcd4a057fd8c8" providerId="LiveId" clId="{85E3E2ED-7676-4B99-BFE6-6E4C3D55A332}" dt="2024-06-13T10:13:08.176" v="5336"/>
+        <pc:chgData name="Rafael Marcos" userId="073fcd4a057fd8c8" providerId="LiveId" clId="{85E3E2ED-7676-4B99-BFE6-6E4C3D55A332}" dt="2024-06-13T10:15:56.767" v="5338"/>
         <pc:sldMkLst>
           <pc:docMk/>
           <pc:sldMk cId="3011156808" sldId="2643"/>
@@ -26369,264 +26369,6 @@
       </p:grpSpPr>
       <p:sp>
         <p:nvSpPr>
-          <p:cNvPr id="7" name="Rectangle 6">
-            <a:extLst>
-              <a:ext uri="{FF2B5EF4-FFF2-40B4-BE49-F238E27FC236}">
-                <a16:creationId xmlns:a16="http://schemas.microsoft.com/office/drawing/2014/main" id="{1922F11D-E0AA-B384-7011-B9B7B5E200F3}"/>
-              </a:ext>
-            </a:extLst>
-          </p:cNvPr>
-          <p:cNvSpPr/>
-          <p:nvPr/>
-        </p:nvSpPr>
-        <p:spPr>
-          <a:xfrm>
-            <a:off x="970091" y="2122369"/>
-            <a:ext cx="6559713" cy="4370508"/>
-          </a:xfrm>
-          <a:prstGeom prst="rect">
-            <a:avLst/>
-          </a:prstGeom>
-          <a:solidFill>
-            <a:schemeClr val="bg1"/>
-          </a:solidFill>
-          <a:ln>
-            <a:solidFill>
-              <a:schemeClr val="bg1"/>
-            </a:solidFill>
-          </a:ln>
-        </p:spPr>
-        <p:style>
-          <a:lnRef idx="2">
-            <a:schemeClr val="accent1">
-              <a:shade val="15000"/>
-            </a:schemeClr>
-          </a:lnRef>
-          <a:fillRef idx="1">
-            <a:schemeClr val="accent1"/>
-          </a:fillRef>
-          <a:effectRef idx="0">
-            <a:schemeClr val="accent1"/>
-          </a:effectRef>
-          <a:fontRef idx="minor">
-            <a:schemeClr val="lt1"/>
-          </a:fontRef>
-        </p:style>
-        <p:txBody>
-          <a:bodyPr rtlCol="0" anchor="ctr"/>
-          <a:lstStyle/>
-          <a:p>
-            <a:pPr algn="ctr"/>
-            <a:endParaRPr lang="en-GB" dirty="0"/>
-          </a:p>
-        </p:txBody>
-      </p:sp>
-      <p:sp>
-        <p:nvSpPr>
-          <p:cNvPr id="2" name="Title 1">
-            <a:extLst>
-              <a:ext uri="{FF2B5EF4-FFF2-40B4-BE49-F238E27FC236}">
-                <a16:creationId xmlns:a16="http://schemas.microsoft.com/office/drawing/2014/main" id="{A44FE299-873C-1A49-D0F1-E67440BA39AB}"/>
-              </a:ext>
-            </a:extLst>
-          </p:cNvPr>
-          <p:cNvSpPr>
-            <a:spLocks noGrp="1"/>
-          </p:cNvSpPr>
-          <p:nvPr>
-            <p:ph type="title"/>
-          </p:nvPr>
-        </p:nvSpPr>
-        <p:spPr/>
-        <p:txBody>
-          <a:bodyPr>
-            <a:normAutofit/>
-          </a:bodyPr>
-          <a:lstStyle/>
-          <a:p>
-            <a:r>
-              <a:rPr lang="es-ES" dirty="0"/>
-              <a:t>Análisis Univariante</a:t>
-            </a:r>
-            <a:endParaRPr lang="en-GB" dirty="0"/>
-          </a:p>
-        </p:txBody>
-      </p:sp>
-      <p:sp>
-        <p:nvSpPr>
-          <p:cNvPr id="4" name="TextBox 3">
-            <a:extLst>
-              <a:ext uri="{FF2B5EF4-FFF2-40B4-BE49-F238E27FC236}">
-                <a16:creationId xmlns:a16="http://schemas.microsoft.com/office/drawing/2014/main" id="{300A9960-0895-E7B8-4E0C-33DF96D3D5D4}"/>
-              </a:ext>
-            </a:extLst>
-          </p:cNvPr>
-          <p:cNvSpPr txBox="1"/>
-          <p:nvPr/>
-        </p:nvSpPr>
-        <p:spPr>
-          <a:xfrm>
-            <a:off x="838200" y="1618567"/>
-            <a:ext cx="9254706" cy="707886"/>
-          </a:xfrm>
-          <a:prstGeom prst="rect">
-            <a:avLst/>
-          </a:prstGeom>
-          <a:noFill/>
-        </p:spPr>
-        <p:txBody>
-          <a:bodyPr wrap="square" rtlCol="0">
-            <a:spAutoFit/>
-          </a:bodyPr>
-          <a:lstStyle/>
-          <a:p>
-            <a:pPr algn="just"/>
-            <a:r>
-              <a:rPr lang="es-ES" sz="2000" spc="300" dirty="0">
-                <a:solidFill>
-                  <a:srgbClr val="FFFFFF"/>
-                </a:solidFill>
-                <a:latin typeface="Arial"/>
-                <a:cs typeface="Arial" panose="020B0604020202020204" pitchFamily="34" charset="0"/>
-              </a:rPr>
-              <a:t>VARIABLE OBJETIVO: SALARIO MENSUAL</a:t>
-            </a:r>
-          </a:p>
-          <a:p>
-            <a:pPr algn="just"/>
-            <a:endParaRPr lang="es-ES" sz="2000" spc="300" dirty="0">
-              <a:solidFill>
-                <a:srgbClr val="FFFFFF"/>
-              </a:solidFill>
-              <a:latin typeface="Arial"/>
-              <a:cs typeface="Arial" panose="020B0604020202020204" pitchFamily="34" charset="0"/>
-            </a:endParaRPr>
-          </a:p>
-        </p:txBody>
-      </p:sp>
-      <p:pic>
-        <p:nvPicPr>
-          <p:cNvPr id="5" name="Picture 4">
-            <a:extLst>
-              <a:ext uri="{FF2B5EF4-FFF2-40B4-BE49-F238E27FC236}">
-                <a16:creationId xmlns:a16="http://schemas.microsoft.com/office/drawing/2014/main" id="{0271D519-B9A5-587E-E4EA-937C6C5466F2}"/>
-              </a:ext>
-            </a:extLst>
-          </p:cNvPr>
-          <p:cNvPicPr>
-            <a:picLocks noChangeAspect="1"/>
-          </p:cNvPicPr>
-          <p:nvPr/>
-        </p:nvPicPr>
-        <p:blipFill>
-          <a:blip r:embed="rId2"/>
-          <a:stretch>
-            <a:fillRect/>
-          </a:stretch>
-        </p:blipFill>
-        <p:spPr>
-          <a:xfrm>
-            <a:off x="1227927" y="2122368"/>
-            <a:ext cx="6044039" cy="4370508"/>
-          </a:xfrm>
-          <a:prstGeom prst="rect">
-            <a:avLst/>
-          </a:prstGeom>
-        </p:spPr>
-      </p:pic>
-      <p:sp>
-        <p:nvSpPr>
-          <p:cNvPr id="6" name="TextBox 5">
-            <a:extLst>
-              <a:ext uri="{FF2B5EF4-FFF2-40B4-BE49-F238E27FC236}">
-                <a16:creationId xmlns:a16="http://schemas.microsoft.com/office/drawing/2014/main" id="{AB94C461-C907-E390-CD18-3BC3F87A2A69}"/>
-              </a:ext>
-            </a:extLst>
-          </p:cNvPr>
-          <p:cNvSpPr txBox="1"/>
-          <p:nvPr/>
-        </p:nvSpPr>
-        <p:spPr>
-          <a:xfrm>
-            <a:off x="7713522" y="2074750"/>
-            <a:ext cx="3354116" cy="2862322"/>
-          </a:xfrm>
-          <a:prstGeom prst="rect">
-            <a:avLst/>
-          </a:prstGeom>
-          <a:noFill/>
-        </p:spPr>
-        <p:txBody>
-          <a:bodyPr wrap="square" rtlCol="0">
-            <a:spAutoFit/>
-          </a:bodyPr>
-          <a:lstStyle/>
-          <a:p>
-            <a:pPr marL="285750" indent="-285750" algn="just">
-              <a:buFont typeface="Arial" panose="020B0604020202020204" pitchFamily="34" charset="0"/>
-              <a:buChar char="•"/>
-            </a:pPr>
-            <a:r>
-              <a:rPr lang="es-ES" dirty="0">
-                <a:solidFill>
-                  <a:schemeClr val="bg1">
-                    <a:lumMod val="95000"/>
-                  </a:schemeClr>
-                </a:solidFill>
-              </a:rPr>
-              <a:t>La distribución de la variable objetivo ‘Salario mensual’ tiene una asimetría positiva. </a:t>
-            </a:r>
-          </a:p>
-          <a:p>
-            <a:pPr marL="285750" indent="-285750" algn="just">
-              <a:buFont typeface="Arial" panose="020B0604020202020204" pitchFamily="34" charset="0"/>
-              <a:buChar char="•"/>
-            </a:pPr>
-            <a:r>
-              <a:rPr lang="es-ES" dirty="0">
-                <a:solidFill>
-                  <a:schemeClr val="bg1">
-                    <a:lumMod val="95000"/>
-                  </a:schemeClr>
-                </a:solidFill>
-              </a:rPr>
-              <a:t>Eso significa que unos pocos empleados con un salario alto distorsionan la media. Así, más del 50% de los empleados ganan por debajo de la media.</a:t>
-            </a:r>
-          </a:p>
-        </p:txBody>
-      </p:sp>
-    </p:spTree>
-    <p:extLst>
-      <p:ext uri="{BB962C8B-B14F-4D97-AF65-F5344CB8AC3E}">
-        <p14:creationId xmlns:p14="http://schemas.microsoft.com/office/powerpoint/2010/main" val="3011156808"/>
-      </p:ext>
-    </p:extLst>
-  </p:cSld>
-  <p:clrMapOvr>
-    <a:masterClrMapping/>
-  </p:clrMapOvr>
-</p:sld>
-</file>
-
-<file path=ppt/slides/slide8.xml><?xml version="1.0" encoding="utf-8"?>
-<p:sld xmlns:a="http://schemas.openxmlformats.org/drawingml/2006/main" xmlns:r="http://schemas.openxmlformats.org/officeDocument/2006/relationships" xmlns:p="http://schemas.openxmlformats.org/presentationml/2006/main">
-  <p:cSld>
-    <p:spTree>
-      <p:nvGrpSpPr>
-        <p:cNvPr id="1" name=""/>
-        <p:cNvGrpSpPr/>
-        <p:nvPr/>
-      </p:nvGrpSpPr>
-      <p:grpSpPr>
-        <a:xfrm>
-          <a:off x="0" y="0"/>
-          <a:ext cx="0" cy="0"/>
-          <a:chOff x="0" y="0"/>
-          <a:chExt cx="0" cy="0"/>
-        </a:xfrm>
-      </p:grpSpPr>
-      <p:sp>
-        <p:nvSpPr>
           <p:cNvPr id="2" name="Title 1">
             <a:extLst>
               <a:ext uri="{FF2B5EF4-FFF2-40B4-BE49-F238E27FC236}">
@@ -26945,6 +26687,264 @@
     <p:extLst>
       <p:ext uri="{BB962C8B-B14F-4D97-AF65-F5344CB8AC3E}">
         <p14:creationId xmlns:p14="http://schemas.microsoft.com/office/powerpoint/2010/main" val="3512888758"/>
+      </p:ext>
+    </p:extLst>
+  </p:cSld>
+  <p:clrMapOvr>
+    <a:masterClrMapping/>
+  </p:clrMapOvr>
+</p:sld>
+</file>
+
+<file path=ppt/slides/slide8.xml><?xml version="1.0" encoding="utf-8"?>
+<p:sld xmlns:a="http://schemas.openxmlformats.org/drawingml/2006/main" xmlns:r="http://schemas.openxmlformats.org/officeDocument/2006/relationships" xmlns:p="http://schemas.openxmlformats.org/presentationml/2006/main">
+  <p:cSld>
+    <p:spTree>
+      <p:nvGrpSpPr>
+        <p:cNvPr id="1" name=""/>
+        <p:cNvGrpSpPr/>
+        <p:nvPr/>
+      </p:nvGrpSpPr>
+      <p:grpSpPr>
+        <a:xfrm>
+          <a:off x="0" y="0"/>
+          <a:ext cx="0" cy="0"/>
+          <a:chOff x="0" y="0"/>
+          <a:chExt cx="0" cy="0"/>
+        </a:xfrm>
+      </p:grpSpPr>
+      <p:sp>
+        <p:nvSpPr>
+          <p:cNvPr id="7" name="Rectangle 6">
+            <a:extLst>
+              <a:ext uri="{FF2B5EF4-FFF2-40B4-BE49-F238E27FC236}">
+                <a16:creationId xmlns:a16="http://schemas.microsoft.com/office/drawing/2014/main" id="{1922F11D-E0AA-B384-7011-B9B7B5E200F3}"/>
+              </a:ext>
+            </a:extLst>
+          </p:cNvPr>
+          <p:cNvSpPr/>
+          <p:nvPr/>
+        </p:nvSpPr>
+        <p:spPr>
+          <a:xfrm>
+            <a:off x="970091" y="2122369"/>
+            <a:ext cx="6559713" cy="4370508"/>
+          </a:xfrm>
+          <a:prstGeom prst="rect">
+            <a:avLst/>
+          </a:prstGeom>
+          <a:solidFill>
+            <a:schemeClr val="bg1"/>
+          </a:solidFill>
+          <a:ln>
+            <a:solidFill>
+              <a:schemeClr val="bg1"/>
+            </a:solidFill>
+          </a:ln>
+        </p:spPr>
+        <p:style>
+          <a:lnRef idx="2">
+            <a:schemeClr val="accent1">
+              <a:shade val="15000"/>
+            </a:schemeClr>
+          </a:lnRef>
+          <a:fillRef idx="1">
+            <a:schemeClr val="accent1"/>
+          </a:fillRef>
+          <a:effectRef idx="0">
+            <a:schemeClr val="accent1"/>
+          </a:effectRef>
+          <a:fontRef idx="minor">
+            <a:schemeClr val="lt1"/>
+          </a:fontRef>
+        </p:style>
+        <p:txBody>
+          <a:bodyPr rtlCol="0" anchor="ctr"/>
+          <a:lstStyle/>
+          <a:p>
+            <a:pPr algn="ctr"/>
+            <a:endParaRPr lang="en-GB" dirty="0"/>
+          </a:p>
+        </p:txBody>
+      </p:sp>
+      <p:sp>
+        <p:nvSpPr>
+          <p:cNvPr id="2" name="Title 1">
+            <a:extLst>
+              <a:ext uri="{FF2B5EF4-FFF2-40B4-BE49-F238E27FC236}">
+                <a16:creationId xmlns:a16="http://schemas.microsoft.com/office/drawing/2014/main" id="{A44FE299-873C-1A49-D0F1-E67440BA39AB}"/>
+              </a:ext>
+            </a:extLst>
+          </p:cNvPr>
+          <p:cNvSpPr>
+            <a:spLocks noGrp="1"/>
+          </p:cNvSpPr>
+          <p:nvPr>
+            <p:ph type="title"/>
+          </p:nvPr>
+        </p:nvSpPr>
+        <p:spPr/>
+        <p:txBody>
+          <a:bodyPr>
+            <a:normAutofit/>
+          </a:bodyPr>
+          <a:lstStyle/>
+          <a:p>
+            <a:r>
+              <a:rPr lang="es-ES" dirty="0"/>
+              <a:t>Análisis Univariante</a:t>
+            </a:r>
+            <a:endParaRPr lang="en-GB" dirty="0"/>
+          </a:p>
+        </p:txBody>
+      </p:sp>
+      <p:sp>
+        <p:nvSpPr>
+          <p:cNvPr id="4" name="TextBox 3">
+            <a:extLst>
+              <a:ext uri="{FF2B5EF4-FFF2-40B4-BE49-F238E27FC236}">
+                <a16:creationId xmlns:a16="http://schemas.microsoft.com/office/drawing/2014/main" id="{300A9960-0895-E7B8-4E0C-33DF96D3D5D4}"/>
+              </a:ext>
+            </a:extLst>
+          </p:cNvPr>
+          <p:cNvSpPr txBox="1"/>
+          <p:nvPr/>
+        </p:nvSpPr>
+        <p:spPr>
+          <a:xfrm>
+            <a:off x="838200" y="1618567"/>
+            <a:ext cx="9254706" cy="707886"/>
+          </a:xfrm>
+          <a:prstGeom prst="rect">
+            <a:avLst/>
+          </a:prstGeom>
+          <a:noFill/>
+        </p:spPr>
+        <p:txBody>
+          <a:bodyPr wrap="square" rtlCol="0">
+            <a:spAutoFit/>
+          </a:bodyPr>
+          <a:lstStyle/>
+          <a:p>
+            <a:pPr algn="just"/>
+            <a:r>
+              <a:rPr lang="es-ES" sz="2000" spc="300" dirty="0">
+                <a:solidFill>
+                  <a:srgbClr val="FFFFFF"/>
+                </a:solidFill>
+                <a:latin typeface="Arial"/>
+                <a:cs typeface="Arial" panose="020B0604020202020204" pitchFamily="34" charset="0"/>
+              </a:rPr>
+              <a:t>VARIABLE OBJETIVO: SALARIO MENSUAL</a:t>
+            </a:r>
+          </a:p>
+          <a:p>
+            <a:pPr algn="just"/>
+            <a:endParaRPr lang="es-ES" sz="2000" spc="300" dirty="0">
+              <a:solidFill>
+                <a:srgbClr val="FFFFFF"/>
+              </a:solidFill>
+              <a:latin typeface="Arial"/>
+              <a:cs typeface="Arial" panose="020B0604020202020204" pitchFamily="34" charset="0"/>
+            </a:endParaRPr>
+          </a:p>
+        </p:txBody>
+      </p:sp>
+      <p:pic>
+        <p:nvPicPr>
+          <p:cNvPr id="5" name="Picture 4">
+            <a:extLst>
+              <a:ext uri="{FF2B5EF4-FFF2-40B4-BE49-F238E27FC236}">
+                <a16:creationId xmlns:a16="http://schemas.microsoft.com/office/drawing/2014/main" id="{0271D519-B9A5-587E-E4EA-937C6C5466F2}"/>
+              </a:ext>
+            </a:extLst>
+          </p:cNvPr>
+          <p:cNvPicPr>
+            <a:picLocks noChangeAspect="1"/>
+          </p:cNvPicPr>
+          <p:nvPr/>
+        </p:nvPicPr>
+        <p:blipFill>
+          <a:blip r:embed="rId2"/>
+          <a:stretch>
+            <a:fillRect/>
+          </a:stretch>
+        </p:blipFill>
+        <p:spPr>
+          <a:xfrm>
+            <a:off x="1227927" y="2122368"/>
+            <a:ext cx="6044039" cy="4370508"/>
+          </a:xfrm>
+          <a:prstGeom prst="rect">
+            <a:avLst/>
+          </a:prstGeom>
+        </p:spPr>
+      </p:pic>
+      <p:sp>
+        <p:nvSpPr>
+          <p:cNvPr id="6" name="TextBox 5">
+            <a:extLst>
+              <a:ext uri="{FF2B5EF4-FFF2-40B4-BE49-F238E27FC236}">
+                <a16:creationId xmlns:a16="http://schemas.microsoft.com/office/drawing/2014/main" id="{AB94C461-C907-E390-CD18-3BC3F87A2A69}"/>
+              </a:ext>
+            </a:extLst>
+          </p:cNvPr>
+          <p:cNvSpPr txBox="1"/>
+          <p:nvPr/>
+        </p:nvSpPr>
+        <p:spPr>
+          <a:xfrm>
+            <a:off x="7713522" y="2074750"/>
+            <a:ext cx="3354116" cy="2862322"/>
+          </a:xfrm>
+          <a:prstGeom prst="rect">
+            <a:avLst/>
+          </a:prstGeom>
+          <a:noFill/>
+        </p:spPr>
+        <p:txBody>
+          <a:bodyPr wrap="square" rtlCol="0">
+            <a:spAutoFit/>
+          </a:bodyPr>
+          <a:lstStyle/>
+          <a:p>
+            <a:pPr marL="285750" indent="-285750" algn="just">
+              <a:buFont typeface="Arial" panose="020B0604020202020204" pitchFamily="34" charset="0"/>
+              <a:buChar char="•"/>
+            </a:pPr>
+            <a:r>
+              <a:rPr lang="es-ES" dirty="0">
+                <a:solidFill>
+                  <a:schemeClr val="bg1">
+                    <a:lumMod val="95000"/>
+                  </a:schemeClr>
+                </a:solidFill>
+              </a:rPr>
+              <a:t>La distribución de la variable objetivo ‘Salario mensual’ tiene una asimetría positiva. </a:t>
+            </a:r>
+          </a:p>
+          <a:p>
+            <a:pPr marL="285750" indent="-285750" algn="just">
+              <a:buFont typeface="Arial" panose="020B0604020202020204" pitchFamily="34" charset="0"/>
+              <a:buChar char="•"/>
+            </a:pPr>
+            <a:r>
+              <a:rPr lang="es-ES" dirty="0">
+                <a:solidFill>
+                  <a:schemeClr val="bg1">
+                    <a:lumMod val="95000"/>
+                  </a:schemeClr>
+                </a:solidFill>
+              </a:rPr>
+              <a:t>Eso significa que unos pocos empleados con un salario alto distorsionan la media. Así, más del 50% de los empleados ganan por debajo de la media.</a:t>
+            </a:r>
+          </a:p>
+        </p:txBody>
+      </p:sp>
+    </p:spTree>
+    <p:extLst>
+      <p:ext uri="{BB962C8B-B14F-4D97-AF65-F5344CB8AC3E}">
+        <p14:creationId xmlns:p14="http://schemas.microsoft.com/office/powerpoint/2010/main" val="3011156808"/>
       </p:ext>
     </p:extLst>
   </p:cSld>

--- a/Mi sueldo y yo.pptx
+++ b/Mi sueldo y yo.pptx
@@ -181,7 +181,7 @@
   <pc:docChgLst>
     <pc:chgData name="Rafael Marcos" userId="073fcd4a057fd8c8" providerId="LiveId" clId="{85E3E2ED-7676-4B99-BFE6-6E4C3D55A332}"/>
     <pc:docChg chg="undo redo custSel addSld delSld modSld sldOrd">
-      <pc:chgData name="Rafael Marcos" userId="073fcd4a057fd8c8" providerId="LiveId" clId="{85E3E2ED-7676-4B99-BFE6-6E4C3D55A332}" dt="2024-06-13T10:15:56.767" v="5338"/>
+      <pc:chgData name="Rafael Marcos" userId="073fcd4a057fd8c8" providerId="LiveId" clId="{85E3E2ED-7676-4B99-BFE6-6E4C3D55A332}" dt="2024-06-13T13:53:13.059" v="5376" actId="21"/>
       <pc:docMkLst>
         <pc:docMk/>
       </pc:docMkLst>
@@ -693,7 +693,7 @@
         </pc:picChg>
       </pc:sldChg>
       <pc:sldChg chg="addSp delSp modSp add del mod ord">
-        <pc:chgData name="Rafael Marcos" userId="073fcd4a057fd8c8" providerId="LiveId" clId="{85E3E2ED-7676-4B99-BFE6-6E4C3D55A332}" dt="2024-06-10T15:31:48.767" v="4580"/>
+        <pc:chgData name="Rafael Marcos" userId="073fcd4a057fd8c8" providerId="LiveId" clId="{85E3E2ED-7676-4B99-BFE6-6E4C3D55A332}" dt="2024-06-13T13:53:13.059" v="5376" actId="21"/>
         <pc:sldMkLst>
           <pc:docMk/>
           <pc:sldMk cId="3322560223" sldId="2595"/>
@@ -754,12 +754,28 @@
             <ac:spMk id="9" creationId="{D0F94955-1453-8B10-73C4-F9C676225D60}"/>
           </ac:spMkLst>
         </pc:spChg>
-        <pc:picChg chg="add mod">
-          <ac:chgData name="Rafael Marcos" userId="073fcd4a057fd8c8" providerId="LiveId" clId="{85E3E2ED-7676-4B99-BFE6-6E4C3D55A332}" dt="2024-06-10T15:30:53.264" v="4571" actId="1038"/>
+        <pc:picChg chg="add del">
+          <ac:chgData name="Rafael Marcos" userId="073fcd4a057fd8c8" providerId="LiveId" clId="{85E3E2ED-7676-4B99-BFE6-6E4C3D55A332}" dt="2024-06-13T13:51:48.908" v="5341" actId="22"/>
+          <ac:picMkLst>
+            <pc:docMk/>
+            <pc:sldMk cId="3322560223" sldId="2595"/>
+            <ac:picMk id="4" creationId="{9930AFAF-C4BA-ECF9-AFB0-3E548F48BAE2}"/>
+          </ac:picMkLst>
+        </pc:picChg>
+        <pc:picChg chg="add del mod">
+          <ac:chgData name="Rafael Marcos" userId="073fcd4a057fd8c8" providerId="LiveId" clId="{85E3E2ED-7676-4B99-BFE6-6E4C3D55A332}" dt="2024-06-13T13:53:08.038" v="5372" actId="478"/>
           <ac:picMkLst>
             <pc:docMk/>
             <pc:sldMk cId="3322560223" sldId="2595"/>
             <ac:picMk id="5" creationId="{5F31E989-8ED0-5744-6257-6279024C3D74}"/>
+          </ac:picMkLst>
+        </pc:picChg>
+        <pc:picChg chg="add del mod">
+          <ac:chgData name="Rafael Marcos" userId="073fcd4a057fd8c8" providerId="LiveId" clId="{85E3E2ED-7676-4B99-BFE6-6E4C3D55A332}" dt="2024-06-13T13:53:13.059" v="5376" actId="21"/>
+          <ac:picMkLst>
+            <pc:docMk/>
+            <pc:sldMk cId="3322560223" sldId="2595"/>
+            <ac:picMk id="10" creationId="{F8B59066-0054-AE26-4702-B313AD902EEC}"/>
           </ac:picMkLst>
         </pc:picChg>
       </pc:sldChg>
@@ -27054,12 +27070,141 @@
           </a:p>
         </p:txBody>
       </p:sp>
+      <p:sp>
+        <p:nvSpPr>
+          <p:cNvPr id="7" name="TextBox 6">
+            <a:extLst>
+              <a:ext uri="{FF2B5EF4-FFF2-40B4-BE49-F238E27FC236}">
+                <a16:creationId xmlns:a16="http://schemas.microsoft.com/office/drawing/2014/main" id="{22797D8F-A6ED-ABA8-47CA-75FB4ECB6699}"/>
+              </a:ext>
+            </a:extLst>
+          </p:cNvPr>
+          <p:cNvSpPr txBox="1"/>
+          <p:nvPr/>
+        </p:nvSpPr>
+        <p:spPr>
+          <a:xfrm>
+            <a:off x="838200" y="1618567"/>
+            <a:ext cx="9254706" cy="707886"/>
+          </a:xfrm>
+          <a:prstGeom prst="rect">
+            <a:avLst/>
+          </a:prstGeom>
+          <a:noFill/>
+        </p:spPr>
+        <p:txBody>
+          <a:bodyPr wrap="square" rtlCol="0">
+            <a:spAutoFit/>
+          </a:bodyPr>
+          <a:lstStyle/>
+          <a:p>
+            <a:pPr algn="just"/>
+            <a:r>
+              <a:rPr lang="es-ES" sz="2000" spc="300" dirty="0">
+                <a:solidFill>
+                  <a:srgbClr val="FFFFFF"/>
+                </a:solidFill>
+                <a:latin typeface="Arial"/>
+                <a:cs typeface="Arial" panose="020B0604020202020204" pitchFamily="34" charset="0"/>
+              </a:rPr>
+              <a:t>CORRELACIÓN ENTRE VARIABLES NUMÉRICAS</a:t>
+            </a:r>
+          </a:p>
+          <a:p>
+            <a:pPr algn="just"/>
+            <a:endParaRPr lang="es-ES" sz="2000" spc="300" dirty="0">
+              <a:solidFill>
+                <a:srgbClr val="FFFFFF"/>
+              </a:solidFill>
+              <a:latin typeface="Arial"/>
+              <a:cs typeface="Arial" panose="020B0604020202020204" pitchFamily="34" charset="0"/>
+            </a:endParaRPr>
+          </a:p>
+        </p:txBody>
+      </p:sp>
+      <p:sp>
+        <p:nvSpPr>
+          <p:cNvPr id="9" name="TextBox 8">
+            <a:extLst>
+              <a:ext uri="{FF2B5EF4-FFF2-40B4-BE49-F238E27FC236}">
+                <a16:creationId xmlns:a16="http://schemas.microsoft.com/office/drawing/2014/main" id="{D0F94955-1453-8B10-73C4-F9C676225D60}"/>
+              </a:ext>
+            </a:extLst>
+          </p:cNvPr>
+          <p:cNvSpPr txBox="1"/>
+          <p:nvPr/>
+        </p:nvSpPr>
+        <p:spPr>
+          <a:xfrm>
+            <a:off x="7713522" y="2074750"/>
+            <a:ext cx="3354116" cy="4524315"/>
+          </a:xfrm>
+          <a:prstGeom prst="rect">
+            <a:avLst/>
+          </a:prstGeom>
+          <a:noFill/>
+        </p:spPr>
+        <p:txBody>
+          <a:bodyPr wrap="square" rtlCol="0">
+            <a:spAutoFit/>
+          </a:bodyPr>
+          <a:lstStyle/>
+          <a:p>
+            <a:pPr marL="285750" indent="-285750" algn="just">
+              <a:buFont typeface="Arial" panose="020B0604020202020204" pitchFamily="34" charset="0"/>
+              <a:buChar char="•"/>
+            </a:pPr>
+            <a:r>
+              <a:rPr lang="es-ES" dirty="0">
+                <a:solidFill>
+                  <a:schemeClr val="bg1">
+                    <a:lumMod val="95000"/>
+                  </a:schemeClr>
+                </a:solidFill>
+              </a:rPr>
+              <a:t>Hay una correlación positiva fuerte (R &gt;0.7) entre la experiencia laboral y el salario mensual.</a:t>
+            </a:r>
+          </a:p>
+          <a:p>
+            <a:pPr marL="285750" indent="-285750" algn="just">
+              <a:buFont typeface="Arial" panose="020B0604020202020204" pitchFamily="34" charset="0"/>
+              <a:buChar char="•"/>
+            </a:pPr>
+            <a:r>
+              <a:rPr lang="es-ES" dirty="0">
+                <a:solidFill>
+                  <a:schemeClr val="bg1">
+                    <a:lumMod val="95000"/>
+                  </a:schemeClr>
+                </a:solidFill>
+              </a:rPr>
+              <a:t>Hay una correlación positiva débil (0.5&lt; R &lt;0.7) entre los años de trabajo dentro de la compañía y el salario mensual.</a:t>
+            </a:r>
+          </a:p>
+          <a:p>
+            <a:pPr marL="285750" indent="-285750" algn="just">
+              <a:buFont typeface="Arial" panose="020B0604020202020204" pitchFamily="34" charset="0"/>
+              <a:buChar char="•"/>
+            </a:pPr>
+            <a:r>
+              <a:rPr lang="es-ES" dirty="0">
+                <a:solidFill>
+                  <a:schemeClr val="bg1">
+                    <a:lumMod val="95000"/>
+                  </a:schemeClr>
+                </a:solidFill>
+              </a:rPr>
+              <a:t>Hay una correlación positiva débil (0.5&lt; R &lt;0.7) entre la edad y el salario mensual. Esta relación se puede deber a la correlación entre edad y la experiencia laboral.</a:t>
+            </a:r>
+          </a:p>
+        </p:txBody>
+      </p:sp>
       <p:pic>
         <p:nvPicPr>
-          <p:cNvPr id="5" name="Picture 4">
-            <a:extLst>
-              <a:ext uri="{FF2B5EF4-FFF2-40B4-BE49-F238E27FC236}">
-                <a16:creationId xmlns:a16="http://schemas.microsoft.com/office/drawing/2014/main" id="{5F31E989-8ED0-5744-6257-6279024C3D74}"/>
+          <p:cNvPr id="10" name="Picture 9">
+            <a:extLst>
+              <a:ext uri="{FF2B5EF4-FFF2-40B4-BE49-F238E27FC236}">
+                <a16:creationId xmlns:a16="http://schemas.microsoft.com/office/drawing/2014/main" id="{F8B59066-0054-AE26-4702-B313AD902EEC}"/>
               </a:ext>
             </a:extLst>
           </p:cNvPr>
@@ -27076,7 +27221,7 @@
         </p:blipFill>
         <p:spPr>
           <a:xfrm>
-            <a:off x="1151945" y="2122368"/>
+            <a:off x="1189267" y="2128327"/>
             <a:ext cx="6121360" cy="4454484"/>
           </a:xfrm>
           <a:prstGeom prst="rect">
@@ -27084,135 +27229,6 @@
           </a:prstGeom>
         </p:spPr>
       </p:pic>
-      <p:sp>
-        <p:nvSpPr>
-          <p:cNvPr id="7" name="TextBox 6">
-            <a:extLst>
-              <a:ext uri="{FF2B5EF4-FFF2-40B4-BE49-F238E27FC236}">
-                <a16:creationId xmlns:a16="http://schemas.microsoft.com/office/drawing/2014/main" id="{22797D8F-A6ED-ABA8-47CA-75FB4ECB6699}"/>
-              </a:ext>
-            </a:extLst>
-          </p:cNvPr>
-          <p:cNvSpPr txBox="1"/>
-          <p:nvPr/>
-        </p:nvSpPr>
-        <p:spPr>
-          <a:xfrm>
-            <a:off x="838200" y="1618567"/>
-            <a:ext cx="9254706" cy="707886"/>
-          </a:xfrm>
-          <a:prstGeom prst="rect">
-            <a:avLst/>
-          </a:prstGeom>
-          <a:noFill/>
-        </p:spPr>
-        <p:txBody>
-          <a:bodyPr wrap="square" rtlCol="0">
-            <a:spAutoFit/>
-          </a:bodyPr>
-          <a:lstStyle/>
-          <a:p>
-            <a:pPr algn="just"/>
-            <a:r>
-              <a:rPr lang="es-ES" sz="2000" spc="300" dirty="0">
-                <a:solidFill>
-                  <a:srgbClr val="FFFFFF"/>
-                </a:solidFill>
-                <a:latin typeface="Arial"/>
-                <a:cs typeface="Arial" panose="020B0604020202020204" pitchFamily="34" charset="0"/>
-              </a:rPr>
-              <a:t>CORRELACIÓN ENTRE VARIABLES NUMÉRICAS</a:t>
-            </a:r>
-          </a:p>
-          <a:p>
-            <a:pPr algn="just"/>
-            <a:endParaRPr lang="es-ES" sz="2000" spc="300" dirty="0">
-              <a:solidFill>
-                <a:srgbClr val="FFFFFF"/>
-              </a:solidFill>
-              <a:latin typeface="Arial"/>
-              <a:cs typeface="Arial" panose="020B0604020202020204" pitchFamily="34" charset="0"/>
-            </a:endParaRPr>
-          </a:p>
-        </p:txBody>
-      </p:sp>
-      <p:sp>
-        <p:nvSpPr>
-          <p:cNvPr id="9" name="TextBox 8">
-            <a:extLst>
-              <a:ext uri="{FF2B5EF4-FFF2-40B4-BE49-F238E27FC236}">
-                <a16:creationId xmlns:a16="http://schemas.microsoft.com/office/drawing/2014/main" id="{D0F94955-1453-8B10-73C4-F9C676225D60}"/>
-              </a:ext>
-            </a:extLst>
-          </p:cNvPr>
-          <p:cNvSpPr txBox="1"/>
-          <p:nvPr/>
-        </p:nvSpPr>
-        <p:spPr>
-          <a:xfrm>
-            <a:off x="7713522" y="2074750"/>
-            <a:ext cx="3354116" cy="4524315"/>
-          </a:xfrm>
-          <a:prstGeom prst="rect">
-            <a:avLst/>
-          </a:prstGeom>
-          <a:noFill/>
-        </p:spPr>
-        <p:txBody>
-          <a:bodyPr wrap="square" rtlCol="0">
-            <a:spAutoFit/>
-          </a:bodyPr>
-          <a:lstStyle/>
-          <a:p>
-            <a:pPr marL="285750" indent="-285750" algn="just">
-              <a:buFont typeface="Arial" panose="020B0604020202020204" pitchFamily="34" charset="0"/>
-              <a:buChar char="•"/>
-            </a:pPr>
-            <a:r>
-              <a:rPr lang="es-ES" dirty="0">
-                <a:solidFill>
-                  <a:schemeClr val="bg1">
-                    <a:lumMod val="95000"/>
-                  </a:schemeClr>
-                </a:solidFill>
-              </a:rPr>
-              <a:t>Hay una correlación positiva fuerte (R &gt;0.7) entre la experiencia laboral y el salario mensual.</a:t>
-            </a:r>
-          </a:p>
-          <a:p>
-            <a:pPr marL="285750" indent="-285750" algn="just">
-              <a:buFont typeface="Arial" panose="020B0604020202020204" pitchFamily="34" charset="0"/>
-              <a:buChar char="•"/>
-            </a:pPr>
-            <a:r>
-              <a:rPr lang="es-ES" dirty="0">
-                <a:solidFill>
-                  <a:schemeClr val="bg1">
-                    <a:lumMod val="95000"/>
-                  </a:schemeClr>
-                </a:solidFill>
-              </a:rPr>
-              <a:t>Hay una correlación positiva débil (0.5&lt; R &lt;0.7) entre los años de trabajo dentro de la compañía y el salario mensual.</a:t>
-            </a:r>
-          </a:p>
-          <a:p>
-            <a:pPr marL="285750" indent="-285750" algn="just">
-              <a:buFont typeface="Arial" panose="020B0604020202020204" pitchFamily="34" charset="0"/>
-              <a:buChar char="•"/>
-            </a:pPr>
-            <a:r>
-              <a:rPr lang="es-ES" dirty="0">
-                <a:solidFill>
-                  <a:schemeClr val="bg1">
-                    <a:lumMod val="95000"/>
-                  </a:schemeClr>
-                </a:solidFill>
-              </a:rPr>
-              <a:t>Hay una correlación positiva débil (0.5&lt; R &lt;0.7) entre la edad y el salario mensual. Esta relación se puede deber a la correlación entre edad y la experiencia laboral.</a:t>
-            </a:r>
-          </a:p>
-        </p:txBody>
-      </p:sp>
     </p:spTree>
     <p:extLst>
       <p:ext uri="{BB962C8B-B14F-4D97-AF65-F5344CB8AC3E}">
